--- a/architecture.pptx
+++ b/architecture.pptx
@@ -7,7 +7,9 @@
   <p:sldIdLst>
     <p:sldId id="256" r:id="rId2"/>
     <p:sldId id="257" r:id="rId3"/>
-    <p:sldId id="258" r:id="rId4"/>
+    <p:sldId id="259" r:id="rId4"/>
+    <p:sldId id="260" r:id="rId5"/>
+    <p:sldId id="258" r:id="rId6"/>
   </p:sldIdLst>
   <p:sldSz cx="12192000" cy="6858000"/>
   <p:notesSz cx="6858000" cy="9144000"/>
@@ -3151,7 +3153,7 @@
         </p:nvSpPr>
         <p:spPr>
           <a:xfrm>
-            <a:off x="1162894" y="3514726"/>
+            <a:off x="1031289" y="3431064"/>
             <a:ext cx="1847006" cy="933450"/>
           </a:xfrm>
           <a:prstGeom prst="ellipse">
@@ -3195,8 +3197,8 @@
         </p:nvSpPr>
         <p:spPr>
           <a:xfrm>
-            <a:off x="3541073" y="3358039"/>
-            <a:ext cx="2495550" cy="914400"/>
+            <a:off x="3135413" y="3431064"/>
+            <a:ext cx="3694012" cy="457200"/>
           </a:xfrm>
           <a:prstGeom prst="rect">
             <a:avLst/>
@@ -3225,7 +3227,7 @@
             <a:pPr algn="ctr"/>
             <a:r>
               <a:rPr lang="en-US" dirty="0" smtClean="0"/>
-              <a:t>Lasso solver setter</a:t>
+              <a:t>Setter of sparse-recovery solver</a:t>
             </a:r>
             <a:endParaRPr lang="en-US" dirty="0"/>
           </a:p>
@@ -3239,8 +3241,8 @@
         </p:nvSpPr>
         <p:spPr>
           <a:xfrm>
-            <a:off x="3541073" y="2253139"/>
-            <a:ext cx="2495550" cy="914400"/>
+            <a:off x="3135413" y="2310289"/>
+            <a:ext cx="3694012" cy="457200"/>
           </a:xfrm>
           <a:prstGeom prst="rect">
             <a:avLst/>
@@ -3269,7 +3271,7 @@
             <a:pPr algn="ctr"/>
             <a:r>
               <a:rPr lang="en-US" dirty="0" smtClean="0"/>
-              <a:t>PRIS options setter</a:t>
+              <a:t>Setter of PRIS options</a:t>
             </a:r>
             <a:endParaRPr lang="en-US" dirty="0"/>
           </a:p>
@@ -3283,8 +3285,8 @@
         </p:nvSpPr>
         <p:spPr>
           <a:xfrm>
-            <a:off x="3541073" y="4424839"/>
-            <a:ext cx="2495550" cy="914400"/>
+            <a:off x="3135413" y="4551839"/>
+            <a:ext cx="3694012" cy="457200"/>
           </a:xfrm>
           <a:prstGeom prst="rect">
             <a:avLst/>
@@ -3313,15 +3315,7 @@
             <a:pPr algn="ctr"/>
             <a:r>
               <a:rPr lang="en-US" dirty="0" smtClean="0"/>
-              <a:t>Next </a:t>
-            </a:r>
-            <a:r>
-              <a:rPr lang="en-US" dirty="0" err="1" smtClean="0"/>
-              <a:t>pris</a:t>
-            </a:r>
-            <a:r>
-              <a:rPr lang="en-US" dirty="0" smtClean="0"/>
-              <a:t> iteration setter</a:t>
+              <a:t>Setter for next PRIS iteration</a:t>
             </a:r>
             <a:endParaRPr lang="en-US" dirty="0"/>
           </a:p>
@@ -3335,8 +3329,8 @@
         </p:nvSpPr>
         <p:spPr>
           <a:xfrm>
-            <a:off x="3541073" y="5491639"/>
-            <a:ext cx="2495550" cy="914400"/>
+            <a:off x="3135413" y="5672614"/>
+            <a:ext cx="3694012" cy="457200"/>
           </a:xfrm>
           <a:prstGeom prst="rect">
             <a:avLst/>
@@ -3403,18 +3397,468 @@
       </p:grpSpPr>
       <p:sp>
         <p:nvSpPr>
-          <p:cNvPr id="2" name="Title 1"/>
-          <p:cNvSpPr>
-            <a:spLocks noGrp="1"/>
-          </p:cNvSpPr>
-          <p:nvPr>
-            <p:ph type="title"/>
-          </p:nvPr>
+          <p:cNvPr id="5" name="TextBox 4"/>
+          <p:cNvSpPr txBox="1"/>
+          <p:nvPr/>
         </p:nvSpPr>
         <p:spPr>
           <a:xfrm>
             <a:off x="0" y="0"/>
-            <a:ext cx="10515600" cy="473075"/>
+            <a:ext cx="1386918" cy="369332"/>
+          </a:xfrm>
+          <a:prstGeom prst="rect">
+            <a:avLst/>
+          </a:prstGeom>
+          <a:noFill/>
+        </p:spPr>
+        <p:txBody>
+          <a:bodyPr wrap="none" rtlCol="0">
+            <a:spAutoFit/>
+          </a:bodyPr>
+          <a:lstStyle/>
+          <a:p>
+            <a:r>
+              <a:rPr lang="en-US" dirty="0" smtClean="0"/>
+              <a:t>Module type</a:t>
+            </a:r>
+            <a:endParaRPr lang="en-US" dirty="0"/>
+          </a:p>
+        </p:txBody>
+      </p:sp>
+      <p:sp>
+        <p:nvSpPr>
+          <p:cNvPr id="6" name="TextBox 5"/>
+          <p:cNvSpPr txBox="1"/>
+          <p:nvPr/>
+        </p:nvSpPr>
+        <p:spPr>
+          <a:xfrm>
+            <a:off x="231343" y="3129941"/>
+            <a:ext cx="11813174" cy="3139321"/>
+          </a:xfrm>
+          <a:prstGeom prst="rect">
+            <a:avLst/>
+          </a:prstGeom>
+          <a:noFill/>
+        </p:spPr>
+        <p:txBody>
+          <a:bodyPr wrap="square" rtlCol="0">
+            <a:spAutoFit/>
+          </a:bodyPr>
+          <a:lstStyle/>
+          <a:p>
+            <a:r>
+              <a:rPr lang="en-US" dirty="0" smtClean="0"/>
+              <a:t>PRIS module.</a:t>
+            </a:r>
+          </a:p>
+          <a:p>
+            <a:pPr marL="742950" lvl="1" indent="-285750">
+              <a:buFont typeface="Arial" panose="020B0604020202020204" pitchFamily="34" charset="0"/>
+              <a:buChar char="•"/>
+            </a:pPr>
+            <a:r>
+              <a:rPr lang="en-US" dirty="0" smtClean="0"/>
+              <a:t>PRIS module is the main module, not many alternatives are developed yet. </a:t>
+            </a:r>
+          </a:p>
+          <a:p>
+            <a:r>
+              <a:rPr lang="en-US" dirty="0"/>
+              <a:t>	</a:t>
+            </a:r>
+            <a:endParaRPr lang="en-US" dirty="0" smtClean="0"/>
+          </a:p>
+          <a:p>
+            <a:pPr marL="742950" lvl="1" indent="-285750">
+              <a:buFont typeface="Arial" panose="020B0604020202020204" pitchFamily="34" charset="0"/>
+              <a:buChar char="•"/>
+            </a:pPr>
+            <a:r>
+              <a:rPr lang="en-US" dirty="0" smtClean="0"/>
+              <a:t>Module interface:</a:t>
+            </a:r>
+          </a:p>
+          <a:p>
+            <a:pPr marL="1200150" lvl="2" indent="-285750">
+              <a:buFont typeface="Arial" panose="020B0604020202020204" pitchFamily="34" charset="0"/>
+              <a:buChar char="•"/>
+            </a:pPr>
+            <a:r>
+              <a:rPr lang="en-US" dirty="0" smtClean="0"/>
+              <a:t>It takes objects of input options, PRIS options,  </a:t>
+            </a:r>
+          </a:p>
+          <a:p>
+            <a:pPr marL="1200150" lvl="2" indent="-285750">
+              <a:buFont typeface="Arial" panose="020B0604020202020204" pitchFamily="34" charset="0"/>
+              <a:buChar char="•"/>
+            </a:pPr>
+            <a:r>
+              <a:rPr lang="en-US" dirty="0" smtClean="0"/>
+              <a:t>and hand over these objects to sparse recovery modules. </a:t>
+            </a:r>
+          </a:p>
+          <a:p>
+            <a:pPr marL="1200150" lvl="2" indent="-285750">
+              <a:buFont typeface="Arial" panose="020B0604020202020204" pitchFamily="34" charset="0"/>
+              <a:buChar char="•"/>
+            </a:pPr>
+            <a:r>
+              <a:rPr lang="en-US" dirty="0" smtClean="0"/>
+              <a:t>It handles the returns from the sparse recovery module, update with itself, then deliver it back to sparse recovery module. </a:t>
+            </a:r>
+          </a:p>
+          <a:p>
+            <a:pPr marL="1200150" lvl="2" indent="-285750">
+              <a:buFont typeface="Arial" panose="020B0604020202020204" pitchFamily="34" charset="0"/>
+              <a:buChar char="•"/>
+            </a:pPr>
+            <a:r>
+              <a:rPr lang="en-US" dirty="0" smtClean="0"/>
+              <a:t>It also handles these returns from the sparse recovery module and deliver it to the visualization/exportation module.</a:t>
+            </a:r>
+          </a:p>
+          <a:p>
+            <a:endParaRPr lang="en-US" dirty="0" smtClean="0"/>
+          </a:p>
+        </p:txBody>
+      </p:sp>
+      <p:sp>
+        <p:nvSpPr>
+          <p:cNvPr id="7" name="TextBox 6"/>
+          <p:cNvSpPr txBox="1"/>
+          <p:nvPr/>
+        </p:nvSpPr>
+        <p:spPr>
+          <a:xfrm>
+            <a:off x="231343" y="369332"/>
+            <a:ext cx="11793509" cy="2585323"/>
+          </a:xfrm>
+          <a:prstGeom prst="rect">
+            <a:avLst/>
+          </a:prstGeom>
+          <a:noFill/>
+        </p:spPr>
+        <p:txBody>
+          <a:bodyPr wrap="square" rtlCol="0">
+            <a:spAutoFit/>
+          </a:bodyPr>
+          <a:lstStyle/>
+          <a:p>
+            <a:r>
+              <a:rPr lang="en-US" dirty="0" smtClean="0"/>
+              <a:t>Sparse recovery module</a:t>
+            </a:r>
+          </a:p>
+          <a:p>
+            <a:pPr marL="742950" lvl="1" indent="-285750">
+              <a:buFont typeface="Arial" panose="020B0604020202020204" pitchFamily="34" charset="0"/>
+              <a:buChar char="•"/>
+            </a:pPr>
+            <a:r>
+              <a:rPr lang="en-US" dirty="0" smtClean="0"/>
+              <a:t>One sparse recovery module represent one sparse recovery algorithm.</a:t>
+            </a:r>
+          </a:p>
+          <a:p>
+            <a:pPr marL="742950" lvl="1" indent="-285750">
+              <a:buFont typeface="Arial" panose="020B0604020202020204" pitchFamily="34" charset="0"/>
+              <a:buChar char="•"/>
+            </a:pPr>
+            <a:r>
+              <a:rPr lang="en-US" dirty="0" smtClean="0"/>
+              <a:t>Each module contains two classes: (</a:t>
+            </a:r>
+            <a:r>
+              <a:rPr lang="en-US" dirty="0" err="1" smtClean="0"/>
+              <a:t>i</a:t>
+            </a:r>
+            <a:r>
+              <a:rPr lang="en-US" dirty="0" smtClean="0"/>
+              <a:t>) the solver and (ii) the options.</a:t>
+            </a:r>
+          </a:p>
+          <a:p>
+            <a:pPr marL="742950" lvl="1" indent="-285750">
+              <a:buFont typeface="Arial" panose="020B0604020202020204" pitchFamily="34" charset="0"/>
+              <a:buChar char="•"/>
+            </a:pPr>
+            <a:endParaRPr lang="en-US" dirty="0" smtClean="0"/>
+          </a:p>
+          <a:p>
+            <a:pPr marL="742950" lvl="1" indent="-285750">
+              <a:buFont typeface="Arial" panose="020B0604020202020204" pitchFamily="34" charset="0"/>
+              <a:buChar char="•"/>
+            </a:pPr>
+            <a:r>
+              <a:rPr lang="en-US" dirty="0" smtClean="0"/>
+              <a:t>For example, the module for linearized bregman iteration is lbreg.py, it contains the solver class ‘</a:t>
+            </a:r>
+            <a:r>
+              <a:rPr lang="en-US" dirty="0" err="1" smtClean="0"/>
+              <a:t>LbregSolver</a:t>
+            </a:r>
+            <a:r>
+              <a:rPr lang="en-US" dirty="0" smtClean="0"/>
+              <a:t>’, and the options class ‘</a:t>
+            </a:r>
+            <a:r>
+              <a:rPr lang="en-US" dirty="0" err="1" smtClean="0"/>
+              <a:t>LbregOpts</a:t>
+            </a:r>
+            <a:r>
+              <a:rPr lang="en-US" dirty="0" smtClean="0"/>
+              <a:t>’</a:t>
+            </a:r>
+          </a:p>
+          <a:p>
+            <a:pPr marL="742950" lvl="1" indent="-285750">
+              <a:buFont typeface="Arial" panose="020B0604020202020204" pitchFamily="34" charset="0"/>
+              <a:buChar char="•"/>
+            </a:pPr>
+            <a:r>
+              <a:rPr lang="en-US" dirty="0" smtClean="0"/>
+              <a:t>	</a:t>
+            </a:r>
+          </a:p>
+          <a:p>
+            <a:pPr marL="742950" lvl="1" indent="-285750">
+              <a:buFont typeface="Arial" panose="020B0604020202020204" pitchFamily="34" charset="0"/>
+              <a:buChar char="•"/>
+            </a:pPr>
+            <a:r>
+              <a:rPr lang="en-US" dirty="0" smtClean="0"/>
+              <a:t>Class interface of the Solver:  it takes the ‘A’ and ‘y’ of the ‘Ax=y’ problem, and returns the ‘x’.</a:t>
+            </a:r>
+          </a:p>
+          <a:p>
+            <a:pPr marL="742950" lvl="1" indent="-285750">
+              <a:buFont typeface="Arial" panose="020B0604020202020204" pitchFamily="34" charset="0"/>
+              <a:buChar char="•"/>
+            </a:pPr>
+            <a:r>
+              <a:rPr lang="en-US" dirty="0" smtClean="0"/>
+              <a:t>Class interface of the options: takes user input, feed it into the solver within the same module.</a:t>
+            </a:r>
+          </a:p>
+        </p:txBody>
+      </p:sp>
+    </p:spTree>
+    <p:extLst>
+      <p:ext uri="{BB962C8B-B14F-4D97-AF65-F5344CB8AC3E}">
+        <p14:creationId xmlns:p14="http://schemas.microsoft.com/office/powerpoint/2010/main" val="1353046518"/>
+      </p:ext>
+    </p:extLst>
+  </p:cSld>
+  <p:clrMapOvr>
+    <a:masterClrMapping/>
+  </p:clrMapOvr>
+</p:sld>
+</file>
+
+<file path=ppt/slides/slide4.xml><?xml version="1.0" encoding="utf-8"?>
+<p:sld xmlns:a="http://schemas.openxmlformats.org/drawingml/2006/main" xmlns:r="http://schemas.openxmlformats.org/officeDocument/2006/relationships" xmlns:p="http://schemas.openxmlformats.org/presentationml/2006/main">
+  <p:cSld>
+    <p:spTree>
+      <p:nvGrpSpPr>
+        <p:cNvPr id="1" name=""/>
+        <p:cNvGrpSpPr/>
+        <p:nvPr/>
+      </p:nvGrpSpPr>
+      <p:grpSpPr>
+        <a:xfrm>
+          <a:off x="0" y="0"/>
+          <a:ext cx="0" cy="0"/>
+          <a:chOff x="0" y="0"/>
+          <a:chExt cx="0" cy="0"/>
+        </a:xfrm>
+      </p:grpSpPr>
+      <p:sp>
+        <p:nvSpPr>
+          <p:cNvPr id="5" name="TextBox 4"/>
+          <p:cNvSpPr txBox="1"/>
+          <p:nvPr/>
+        </p:nvSpPr>
+        <p:spPr>
+          <a:xfrm>
+            <a:off x="0" y="0"/>
+            <a:ext cx="1386918" cy="369332"/>
+          </a:xfrm>
+          <a:prstGeom prst="rect">
+            <a:avLst/>
+          </a:prstGeom>
+          <a:noFill/>
+        </p:spPr>
+        <p:txBody>
+          <a:bodyPr wrap="none" rtlCol="0">
+            <a:spAutoFit/>
+          </a:bodyPr>
+          <a:lstStyle/>
+          <a:p>
+            <a:r>
+              <a:rPr lang="en-US" dirty="0" smtClean="0"/>
+              <a:t>Module type</a:t>
+            </a:r>
+            <a:endParaRPr lang="en-US" dirty="0"/>
+          </a:p>
+        </p:txBody>
+      </p:sp>
+      <p:sp>
+        <p:nvSpPr>
+          <p:cNvPr id="6" name="TextBox 5"/>
+          <p:cNvSpPr txBox="1"/>
+          <p:nvPr/>
+        </p:nvSpPr>
+        <p:spPr>
+          <a:xfrm>
+            <a:off x="172350" y="573554"/>
+            <a:ext cx="11813174" cy="3416320"/>
+          </a:xfrm>
+          <a:prstGeom prst="rect">
+            <a:avLst/>
+          </a:prstGeom>
+          <a:noFill/>
+        </p:spPr>
+        <p:txBody>
+          <a:bodyPr wrap="square" rtlCol="0">
+            <a:spAutoFit/>
+          </a:bodyPr>
+          <a:lstStyle/>
+          <a:p>
+            <a:r>
+              <a:rPr lang="en-US" dirty="0" smtClean="0"/>
+              <a:t>PRIS module.</a:t>
+            </a:r>
+          </a:p>
+          <a:p>
+            <a:pPr marL="742950" lvl="1" indent="-285750">
+              <a:buFont typeface="Arial" panose="020B0604020202020204" pitchFamily="34" charset="0"/>
+              <a:buChar char="•"/>
+            </a:pPr>
+            <a:r>
+              <a:rPr lang="en-US" dirty="0" smtClean="0"/>
+              <a:t>PRIS module is the main module, not many alternatives are developed yet. </a:t>
+            </a:r>
+          </a:p>
+          <a:p>
+            <a:r>
+              <a:rPr lang="en-US" dirty="0" smtClean="0"/>
+              <a:t>	it contains the preparation classes: PRIS options; input options; output options; intermediate output options.</a:t>
+            </a:r>
+          </a:p>
+          <a:p>
+            <a:endParaRPr lang="en-US" dirty="0" smtClean="0"/>
+          </a:p>
+          <a:p>
+            <a:pPr marL="742950" lvl="1" indent="-285750">
+              <a:buFont typeface="Arial" panose="020B0604020202020204" pitchFamily="34" charset="0"/>
+              <a:buChar char="•"/>
+            </a:pPr>
+            <a:r>
+              <a:rPr lang="en-US" dirty="0" smtClean="0"/>
+              <a:t>class interfaces:</a:t>
+            </a:r>
+          </a:p>
+          <a:p>
+            <a:pPr marL="1200150" lvl="2" indent="-285750">
+              <a:buFont typeface="Arial" panose="020B0604020202020204" pitchFamily="34" charset="0"/>
+              <a:buChar char="•"/>
+            </a:pPr>
+            <a:r>
+              <a:rPr lang="en-US" dirty="0" smtClean="0"/>
+              <a:t>PRIS It takes objects of input options, PRIS options, sparse recovery solver options,</a:t>
+            </a:r>
+          </a:p>
+          <a:p>
+            <a:pPr marL="1200150" lvl="2" indent="-285750">
+              <a:buFont typeface="Arial" panose="020B0604020202020204" pitchFamily="34" charset="0"/>
+              <a:buChar char="•"/>
+            </a:pPr>
+            <a:r>
+              <a:rPr lang="en-US" dirty="0" smtClean="0"/>
+              <a:t>It calls the designated solver</a:t>
+            </a:r>
+          </a:p>
+          <a:p>
+            <a:pPr marL="1200150" lvl="2" indent="-285750">
+              <a:buFont typeface="Arial" panose="020B0604020202020204" pitchFamily="34" charset="0"/>
+              <a:buChar char="•"/>
+            </a:pPr>
+            <a:r>
+              <a:rPr lang="en-US" dirty="0" smtClean="0"/>
+              <a:t>hand over these objects of options to the solver. </a:t>
+            </a:r>
+          </a:p>
+          <a:p>
+            <a:pPr marL="1200150" lvl="2" indent="-285750">
+              <a:buFont typeface="Arial" panose="020B0604020202020204" pitchFamily="34" charset="0"/>
+              <a:buChar char="•"/>
+            </a:pPr>
+            <a:r>
+              <a:rPr lang="en-US" dirty="0" smtClean="0"/>
+              <a:t>It handles the returns from the sparse recovery solver, update with itself, then deliver it back to sparse recovery solver. </a:t>
+            </a:r>
+          </a:p>
+          <a:p>
+            <a:pPr marL="1200150" lvl="2" indent="-285750">
+              <a:buFont typeface="Arial" panose="020B0604020202020204" pitchFamily="34" charset="0"/>
+              <a:buChar char="•"/>
+            </a:pPr>
+            <a:r>
+              <a:rPr lang="en-US" dirty="0" smtClean="0"/>
+              <a:t>It also handles these returns from the sparse recovery module and deliver it for visualization and exportation.</a:t>
+            </a:r>
+          </a:p>
+          <a:p>
+            <a:endParaRPr lang="en-US" dirty="0" smtClean="0"/>
+          </a:p>
+        </p:txBody>
+      </p:sp>
+    </p:spTree>
+    <p:extLst>
+      <p:ext uri="{BB962C8B-B14F-4D97-AF65-F5344CB8AC3E}">
+        <p14:creationId xmlns:p14="http://schemas.microsoft.com/office/powerpoint/2010/main" val="1533924424"/>
+      </p:ext>
+    </p:extLst>
+  </p:cSld>
+  <p:clrMapOvr>
+    <a:masterClrMapping/>
+  </p:clrMapOvr>
+</p:sld>
+</file>
+
+<file path=ppt/slides/slide5.xml><?xml version="1.0" encoding="utf-8"?>
+<p:sld xmlns:a="http://schemas.openxmlformats.org/drawingml/2006/main" xmlns:r="http://schemas.openxmlformats.org/officeDocument/2006/relationships" xmlns:p="http://schemas.openxmlformats.org/presentationml/2006/main">
+  <p:cSld>
+    <p:spTree>
+      <p:nvGrpSpPr>
+        <p:cNvPr id="1" name=""/>
+        <p:cNvGrpSpPr/>
+        <p:nvPr/>
+      </p:nvGrpSpPr>
+      <p:grpSpPr>
+        <a:xfrm>
+          <a:off x="0" y="0"/>
+          <a:ext cx="0" cy="0"/>
+          <a:chOff x="0" y="0"/>
+          <a:chExt cx="0" cy="0"/>
+        </a:xfrm>
+      </p:grpSpPr>
+      <p:sp>
+        <p:nvSpPr>
+          <p:cNvPr id="2" name="Title 1"/>
+          <p:cNvSpPr>
+            <a:spLocks noGrp="1"/>
+          </p:cNvSpPr>
+          <p:nvPr>
+            <p:ph type="title"/>
+          </p:nvPr>
+        </p:nvSpPr>
+        <p:spPr>
+          <a:xfrm>
+            <a:off x="0" y="0"/>
+            <a:ext cx="12192000" cy="473075"/>
           </a:xfrm>
         </p:spPr>
         <p:txBody>
@@ -3424,8 +3868,12 @@
           <a:lstStyle/>
           <a:p>
             <a:r>
+              <a:rPr lang="en-US" sz="2000" dirty="0"/>
+              <a:t>I</a:t>
+            </a:r>
+            <a:r>
               <a:rPr lang="en-US" sz="2000" dirty="0" smtClean="0"/>
-              <a:t>Imaging when we need to analyze a data, we do:</a:t>
+              <a:t>magine when we need to analyze a data, we do:</a:t>
             </a:r>
             <a:endParaRPr lang="en-US" sz="2000" dirty="0"/>
           </a:p>
@@ -3444,12 +3892,12 @@
         <p:spPr>
           <a:xfrm>
             <a:off x="190500" y="473074"/>
-            <a:ext cx="10515600" cy="5756275"/>
+            <a:ext cx="12001500" cy="5756275"/>
           </a:xfrm>
         </p:spPr>
         <p:txBody>
           <a:bodyPr>
-            <a:normAutofit fontScale="92500" lnSpcReduction="20000"/>
+            <a:normAutofit fontScale="77500" lnSpcReduction="20000"/>
           </a:bodyPr>
           <a:lstStyle/>
           <a:p>
@@ -3461,29 +3909,49 @@
           <a:p>
             <a:r>
               <a:rPr lang="en-US" sz="2000" dirty="0" smtClean="0"/>
-              <a:t>Choose a LASSO solver  (“</a:t>
-            </a:r>
-            <a:r>
-              <a:rPr lang="en-US" sz="2000" dirty="0" err="1" smtClean="0"/>
-              <a:t>LassoSolverLbreg</a:t>
-            </a:r>
+              <a:t>Choose a sparse-recovery solver  (defined in the spare recovery solver module)</a:t>
+            </a:r>
+          </a:p>
+          <a:p>
+            <a:pPr lvl="1"/>
+            <a:r>
+              <a:rPr lang="en-US" sz="1600" dirty="0" smtClean="0"/>
+              <a:t>“</a:t>
+            </a:r>
+            <a:r>
+              <a:rPr lang="en-US" sz="1600" dirty="0" err="1" smtClean="0"/>
+              <a:t>Lbreg</a:t>
+            </a:r>
+            <a:r>
+              <a:rPr lang="en-US" sz="1600" dirty="0" smtClean="0"/>
+              <a:t>” for linearized bregman iteration,  </a:t>
+            </a:r>
+          </a:p>
+          <a:p>
+            <a:pPr lvl="1"/>
+            <a:r>
+              <a:rPr lang="en-US" sz="1600" dirty="0" smtClean="0"/>
+              <a:t>“PDHG” for primal dual hybrid gradient method, etc.)</a:t>
+            </a:r>
+          </a:p>
+          <a:p>
+            <a:pPr lvl="1"/>
+            <a:r>
+              <a:rPr lang="en-US" sz="1600" dirty="0" smtClean="0"/>
+              <a:t>extendible</a:t>
+            </a:r>
+          </a:p>
+          <a:p>
             <a:r>
               <a:rPr lang="en-US" sz="2000" dirty="0" smtClean="0"/>
-              <a:t>”,  “</a:t>
-            </a:r>
-            <a:r>
-              <a:rPr lang="en-US" sz="2000" dirty="0" err="1" smtClean="0"/>
-              <a:t>LassoSolverPDHG</a:t>
-            </a:r>
-            <a:r>
-              <a:rPr lang="en-US" sz="2000" dirty="0" smtClean="0"/>
-              <a:t>”, etc.)</a:t>
-            </a:r>
-          </a:p>
-          <a:p>
-            <a:r>
-              <a:rPr lang="en-US" sz="2000" dirty="0" smtClean="0"/>
-              <a:t>Choose parameters for the LASSO solver </a:t>
+              <a:t>Choose parameters for the sparse-recovery solver</a:t>
+            </a:r>
+          </a:p>
+          <a:p>
+            <a:pPr lvl="1"/>
+            <a:r>
+              <a:rPr lang="en-US" sz="1600" dirty="0" smtClean="0"/>
+              <a:t>Each class </a:t>
             </a:r>
           </a:p>
           <a:p>
@@ -3493,6 +3961,12 @@
             </a:r>
           </a:p>
           <a:p>
+            <a:r>
+              <a:rPr lang="en-US" sz="2000" dirty="0" smtClean="0"/>
+              <a:t>Choose a sensing matrix generator</a:t>
+            </a:r>
+          </a:p>
+          <a:p>
             <a:endParaRPr lang="en-US" sz="2000" dirty="0"/>
           </a:p>
           <a:p>
@@ -3516,7 +3990,7 @@
             <a:pPr lvl="1"/>
             <a:r>
               <a:rPr lang="en-US" sz="1600" dirty="0" smtClean="0"/>
-              <a:t>Choice of LASSO solver. </a:t>
+              <a:t>Choice of sparse-recovery solver. </a:t>
             </a:r>
             <a:endParaRPr lang="en-US" sz="1600" dirty="0"/>
           </a:p>
@@ -3524,21 +3998,21 @@
             <a:pPr lvl="1"/>
             <a:r>
               <a:rPr lang="en-US" sz="1600" dirty="0" smtClean="0"/>
-              <a:t>LASSO solver options</a:t>
+              <a:t>Sparse-recovery solver options</a:t>
             </a:r>
           </a:p>
           <a:p>
             <a:pPr lvl="1"/>
             <a:r>
               <a:rPr lang="en-US" sz="1600" dirty="0" smtClean="0"/>
-              <a:t>Input options [single, batch]</a:t>
+              <a:t>Input options       [single, batch]</a:t>
             </a:r>
           </a:p>
           <a:p>
             <a:pPr lvl="1"/>
             <a:r>
               <a:rPr lang="en-US" sz="1600" dirty="0" smtClean="0"/>
-              <a:t>Output options [single, batch, intermediate]</a:t>
+              <a:t>Output options    [single, batch, intermediate]</a:t>
             </a:r>
             <a:endParaRPr lang="en-US" sz="1600" dirty="0"/>
           </a:p>
@@ -3574,7 +4048,7 @@
             </a:r>
             <a:r>
               <a:rPr lang="en-US" sz="1600" dirty="0" smtClean="0"/>
-              <a:t>, prepare LASSO problem.</a:t>
+              <a:t>, prepare sparse-recovery problem.</a:t>
             </a:r>
           </a:p>
           <a:p>
@@ -3602,7 +4076,7 @@
             </a:r>
             <a:r>
               <a:rPr lang="en-US" sz="1600" dirty="0" smtClean="0"/>
-              <a:t> Prepare LASSO problem.</a:t>
+              <a:t> Prepare sparse-recovery problem.</a:t>
             </a:r>
             <a:endParaRPr lang="en-US" sz="1600" dirty="0" smtClean="0"/>
           </a:p>
@@ -3610,7 +4084,23 @@
             <a:pPr lvl="1"/>
             <a:r>
               <a:rPr lang="en-US" sz="1600" dirty="0" smtClean="0"/>
-              <a:t>Solve LASSO. [call LASSO solver with LASSO options]</a:t>
+              <a:t>Solve sparse-recovery problem. [call </a:t>
+            </a:r>
+            <a:r>
+              <a:rPr lang="en-US" sz="1600" dirty="0" smtClean="0"/>
+              <a:t>sparse-recovery</a:t>
+            </a:r>
+            <a:r>
+              <a:rPr lang="en-US" sz="1600" dirty="0" smtClean="0"/>
+              <a:t> solver with the corresponding </a:t>
+            </a:r>
+            <a:r>
+              <a:rPr lang="en-US" sz="1600" dirty="0" smtClean="0"/>
+              <a:t>sparse-recovery</a:t>
+            </a:r>
+            <a:r>
+              <a:rPr lang="en-US" sz="1600" dirty="0" smtClean="0"/>
+              <a:t> options]</a:t>
             </a:r>
           </a:p>
           <a:p>

--- a/architecture.pptx
+++ b/architecture.pptx
@@ -108,6 +108,11 @@
       </a:defRPr>
     </a:lvl9pPr>
   </p:defaultTextStyle>
+  <p:extLst>
+    <p:ext uri="{EFAFB233-063F-42B5-8137-9DF3F51BA10A}">
+      <p15:sldGuideLst xmlns:p15="http://schemas.microsoft.com/office/powerpoint/2012/main"/>
+    </p:ext>
+  </p:extLst>
 </p:presentation>
 </file>
 
@@ -153,10 +158,9 @@
           </a:lstStyle>
           <a:p>
             <a:r>
-              <a:rPr lang="en-US" smtClean="0"/>
+              <a:rPr lang="en-US"/>
               <a:t>Click to edit Master title style</a:t>
             </a:r>
-            <a:endParaRPr lang="en-US"/>
           </a:p>
         </p:txBody>
       </p:sp>
@@ -218,10 +222,9 @@
           </a:lstStyle>
           <a:p>
             <a:r>
-              <a:rPr lang="en-US" smtClean="0"/>
+              <a:rPr lang="en-US"/>
               <a:t>Click to edit Master subtitle style</a:t>
             </a:r>
-            <a:endParaRPr lang="en-US"/>
           </a:p>
         </p:txBody>
       </p:sp>
@@ -336,10 +339,9 @@
           <a:lstStyle/>
           <a:p>
             <a:r>
-              <a:rPr lang="en-US" smtClean="0"/>
+              <a:rPr lang="en-US"/>
               <a:t>Click to edit Master title style</a:t>
             </a:r>
-            <a:endParaRPr lang="en-US"/>
           </a:p>
         </p:txBody>
       </p:sp>
@@ -360,38 +362,37 @@
           <a:p>
             <a:pPr lvl="0"/>
             <a:r>
-              <a:rPr lang="en-US" smtClean="0"/>
+              <a:rPr lang="en-US"/>
               <a:t>Edit Master text styles</a:t>
             </a:r>
           </a:p>
           <a:p>
             <a:pPr lvl="1"/>
             <a:r>
-              <a:rPr lang="en-US" smtClean="0"/>
+              <a:rPr lang="en-US"/>
               <a:t>Second level</a:t>
             </a:r>
           </a:p>
           <a:p>
             <a:pPr lvl="2"/>
             <a:r>
-              <a:rPr lang="en-US" smtClean="0"/>
+              <a:rPr lang="en-US"/>
               <a:t>Third level</a:t>
             </a:r>
           </a:p>
           <a:p>
             <a:pPr lvl="3"/>
             <a:r>
-              <a:rPr lang="en-US" smtClean="0"/>
+              <a:rPr lang="en-US"/>
               <a:t>Fourth level</a:t>
             </a:r>
           </a:p>
           <a:p>
             <a:pPr lvl="4"/>
             <a:r>
-              <a:rPr lang="en-US" smtClean="0"/>
+              <a:rPr lang="en-US"/>
               <a:t>Fifth level</a:t>
             </a:r>
-            <a:endParaRPr lang="en-US"/>
           </a:p>
         </p:txBody>
       </p:sp>
@@ -511,10 +512,9 @@
           <a:lstStyle/>
           <a:p>
             <a:r>
-              <a:rPr lang="en-US" smtClean="0"/>
+              <a:rPr lang="en-US"/>
               <a:t>Click to edit Master title style</a:t>
             </a:r>
-            <a:endParaRPr lang="en-US"/>
           </a:p>
         </p:txBody>
       </p:sp>
@@ -540,38 +540,37 @@
           <a:p>
             <a:pPr lvl="0"/>
             <a:r>
-              <a:rPr lang="en-US" smtClean="0"/>
+              <a:rPr lang="en-US"/>
               <a:t>Edit Master text styles</a:t>
             </a:r>
           </a:p>
           <a:p>
             <a:pPr lvl="1"/>
             <a:r>
-              <a:rPr lang="en-US" smtClean="0"/>
+              <a:rPr lang="en-US"/>
               <a:t>Second level</a:t>
             </a:r>
           </a:p>
           <a:p>
             <a:pPr lvl="2"/>
             <a:r>
-              <a:rPr lang="en-US" smtClean="0"/>
+              <a:rPr lang="en-US"/>
               <a:t>Third level</a:t>
             </a:r>
           </a:p>
           <a:p>
             <a:pPr lvl="3"/>
             <a:r>
-              <a:rPr lang="en-US" smtClean="0"/>
+              <a:rPr lang="en-US"/>
               <a:t>Fourth level</a:t>
             </a:r>
           </a:p>
           <a:p>
             <a:pPr lvl="4"/>
             <a:r>
-              <a:rPr lang="en-US" smtClean="0"/>
+              <a:rPr lang="en-US"/>
               <a:t>Fifth level</a:t>
             </a:r>
-            <a:endParaRPr lang="en-US"/>
           </a:p>
         </p:txBody>
       </p:sp>
@@ -686,10 +685,9 @@
           <a:lstStyle/>
           <a:p>
             <a:r>
-              <a:rPr lang="en-US" smtClean="0"/>
+              <a:rPr lang="en-US"/>
               <a:t>Click to edit Master title style</a:t>
             </a:r>
-            <a:endParaRPr lang="en-US"/>
           </a:p>
         </p:txBody>
       </p:sp>
@@ -710,38 +708,37 @@
           <a:p>
             <a:pPr lvl="0"/>
             <a:r>
-              <a:rPr lang="en-US" smtClean="0"/>
+              <a:rPr lang="en-US"/>
               <a:t>Edit Master text styles</a:t>
             </a:r>
           </a:p>
           <a:p>
             <a:pPr lvl="1"/>
             <a:r>
-              <a:rPr lang="en-US" smtClean="0"/>
+              <a:rPr lang="en-US"/>
               <a:t>Second level</a:t>
             </a:r>
           </a:p>
           <a:p>
             <a:pPr lvl="2"/>
             <a:r>
-              <a:rPr lang="en-US" smtClean="0"/>
+              <a:rPr lang="en-US"/>
               <a:t>Third level</a:t>
             </a:r>
           </a:p>
           <a:p>
             <a:pPr lvl="3"/>
             <a:r>
-              <a:rPr lang="en-US" smtClean="0"/>
+              <a:rPr lang="en-US"/>
               <a:t>Fourth level</a:t>
             </a:r>
           </a:p>
           <a:p>
             <a:pPr lvl="4"/>
             <a:r>
-              <a:rPr lang="en-US" smtClean="0"/>
+              <a:rPr lang="en-US"/>
               <a:t>Fifth level</a:t>
             </a:r>
-            <a:endParaRPr lang="en-US"/>
           </a:p>
         </p:txBody>
       </p:sp>
@@ -865,10 +862,9 @@
           </a:lstStyle>
           <a:p>
             <a:r>
-              <a:rPr lang="en-US" smtClean="0"/>
+              <a:rPr lang="en-US"/>
               <a:t>Click to edit Master title style</a:t>
             </a:r>
-            <a:endParaRPr lang="en-US"/>
           </a:p>
         </p:txBody>
       </p:sp>
@@ -985,7 +981,7 @@
           <a:p>
             <a:pPr lvl="0"/>
             <a:r>
-              <a:rPr lang="en-US" smtClean="0"/>
+              <a:rPr lang="en-US"/>
               <a:t>Edit Master text styles</a:t>
             </a:r>
           </a:p>
@@ -1102,10 +1098,9 @@
           <a:lstStyle/>
           <a:p>
             <a:r>
-              <a:rPr lang="en-US" smtClean="0"/>
+              <a:rPr lang="en-US"/>
               <a:t>Click to edit Master title style</a:t>
             </a:r>
-            <a:endParaRPr lang="en-US"/>
           </a:p>
         </p:txBody>
       </p:sp>
@@ -1131,38 +1126,37 @@
           <a:p>
             <a:pPr lvl="0"/>
             <a:r>
-              <a:rPr lang="en-US" smtClean="0"/>
+              <a:rPr lang="en-US"/>
               <a:t>Edit Master text styles</a:t>
             </a:r>
           </a:p>
           <a:p>
             <a:pPr lvl="1"/>
             <a:r>
-              <a:rPr lang="en-US" smtClean="0"/>
+              <a:rPr lang="en-US"/>
               <a:t>Second level</a:t>
             </a:r>
           </a:p>
           <a:p>
             <a:pPr lvl="2"/>
             <a:r>
-              <a:rPr lang="en-US" smtClean="0"/>
+              <a:rPr lang="en-US"/>
               <a:t>Third level</a:t>
             </a:r>
           </a:p>
           <a:p>
             <a:pPr lvl="3"/>
             <a:r>
-              <a:rPr lang="en-US" smtClean="0"/>
+              <a:rPr lang="en-US"/>
               <a:t>Fourth level</a:t>
             </a:r>
           </a:p>
           <a:p>
             <a:pPr lvl="4"/>
             <a:r>
-              <a:rPr lang="en-US" smtClean="0"/>
+              <a:rPr lang="en-US"/>
               <a:t>Fifth level</a:t>
             </a:r>
-            <a:endParaRPr lang="en-US"/>
           </a:p>
         </p:txBody>
       </p:sp>
@@ -1188,38 +1182,37 @@
           <a:p>
             <a:pPr lvl="0"/>
             <a:r>
-              <a:rPr lang="en-US" smtClean="0"/>
+              <a:rPr lang="en-US"/>
               <a:t>Edit Master text styles</a:t>
             </a:r>
           </a:p>
           <a:p>
             <a:pPr lvl="1"/>
             <a:r>
-              <a:rPr lang="en-US" smtClean="0"/>
+              <a:rPr lang="en-US"/>
               <a:t>Second level</a:t>
             </a:r>
           </a:p>
           <a:p>
             <a:pPr lvl="2"/>
             <a:r>
-              <a:rPr lang="en-US" smtClean="0"/>
+              <a:rPr lang="en-US"/>
               <a:t>Third level</a:t>
             </a:r>
           </a:p>
           <a:p>
             <a:pPr lvl="3"/>
             <a:r>
-              <a:rPr lang="en-US" smtClean="0"/>
+              <a:rPr lang="en-US"/>
               <a:t>Fourth level</a:t>
             </a:r>
           </a:p>
           <a:p>
             <a:pPr lvl="4"/>
             <a:r>
-              <a:rPr lang="en-US" smtClean="0"/>
+              <a:rPr lang="en-US"/>
               <a:t>Fifth level</a:t>
             </a:r>
-            <a:endParaRPr lang="en-US"/>
           </a:p>
         </p:txBody>
       </p:sp>
@@ -1339,10 +1332,9 @@
           <a:lstStyle/>
           <a:p>
             <a:r>
-              <a:rPr lang="en-US" smtClean="0"/>
+              <a:rPr lang="en-US"/>
               <a:t>Click to edit Master title style</a:t>
             </a:r>
-            <a:endParaRPr lang="en-US"/>
           </a:p>
         </p:txBody>
       </p:sp>
@@ -1405,7 +1397,7 @@
           <a:p>
             <a:pPr lvl="0"/>
             <a:r>
-              <a:rPr lang="en-US" smtClean="0"/>
+              <a:rPr lang="en-US"/>
               <a:t>Edit Master text styles</a:t>
             </a:r>
           </a:p>
@@ -1433,38 +1425,37 @@
           <a:p>
             <a:pPr lvl="0"/>
             <a:r>
-              <a:rPr lang="en-US" smtClean="0"/>
+              <a:rPr lang="en-US"/>
               <a:t>Edit Master text styles</a:t>
             </a:r>
           </a:p>
           <a:p>
             <a:pPr lvl="1"/>
             <a:r>
-              <a:rPr lang="en-US" smtClean="0"/>
+              <a:rPr lang="en-US"/>
               <a:t>Second level</a:t>
             </a:r>
           </a:p>
           <a:p>
             <a:pPr lvl="2"/>
             <a:r>
-              <a:rPr lang="en-US" smtClean="0"/>
+              <a:rPr lang="en-US"/>
               <a:t>Third level</a:t>
             </a:r>
           </a:p>
           <a:p>
             <a:pPr lvl="3"/>
             <a:r>
-              <a:rPr lang="en-US" smtClean="0"/>
+              <a:rPr lang="en-US"/>
               <a:t>Fourth level</a:t>
             </a:r>
           </a:p>
           <a:p>
             <a:pPr lvl="4"/>
             <a:r>
-              <a:rPr lang="en-US" smtClean="0"/>
+              <a:rPr lang="en-US"/>
               <a:t>Fifth level</a:t>
             </a:r>
-            <a:endParaRPr lang="en-US"/>
           </a:p>
         </p:txBody>
       </p:sp>
@@ -1527,7 +1518,7 @@
           <a:p>
             <a:pPr lvl="0"/>
             <a:r>
-              <a:rPr lang="en-US" smtClean="0"/>
+              <a:rPr lang="en-US"/>
               <a:t>Edit Master text styles</a:t>
             </a:r>
           </a:p>
@@ -1555,38 +1546,37 @@
           <a:p>
             <a:pPr lvl="0"/>
             <a:r>
-              <a:rPr lang="en-US" smtClean="0"/>
+              <a:rPr lang="en-US"/>
               <a:t>Edit Master text styles</a:t>
             </a:r>
           </a:p>
           <a:p>
             <a:pPr lvl="1"/>
             <a:r>
-              <a:rPr lang="en-US" smtClean="0"/>
+              <a:rPr lang="en-US"/>
               <a:t>Second level</a:t>
             </a:r>
           </a:p>
           <a:p>
             <a:pPr lvl="2"/>
             <a:r>
-              <a:rPr lang="en-US" smtClean="0"/>
+              <a:rPr lang="en-US"/>
               <a:t>Third level</a:t>
             </a:r>
           </a:p>
           <a:p>
             <a:pPr lvl="3"/>
             <a:r>
-              <a:rPr lang="en-US" smtClean="0"/>
+              <a:rPr lang="en-US"/>
               <a:t>Fourth level</a:t>
             </a:r>
           </a:p>
           <a:p>
             <a:pPr lvl="4"/>
             <a:r>
-              <a:rPr lang="en-US" smtClean="0"/>
+              <a:rPr lang="en-US"/>
               <a:t>Fifth level</a:t>
             </a:r>
-            <a:endParaRPr lang="en-US"/>
           </a:p>
         </p:txBody>
       </p:sp>
@@ -1701,10 +1691,9 @@
           <a:lstStyle/>
           <a:p>
             <a:r>
-              <a:rPr lang="en-US" smtClean="0"/>
+              <a:rPr lang="en-US"/>
               <a:t>Click to edit Master title style</a:t>
             </a:r>
-            <a:endParaRPr lang="en-US"/>
           </a:p>
         </p:txBody>
       </p:sp>
@@ -1923,10 +1912,9 @@
           </a:lstStyle>
           <a:p>
             <a:r>
-              <a:rPr lang="en-US" smtClean="0"/>
+              <a:rPr lang="en-US"/>
               <a:t>Click to edit Master title style</a:t>
             </a:r>
-            <a:endParaRPr lang="en-US"/>
           </a:p>
         </p:txBody>
       </p:sp>
@@ -1980,38 +1968,37 @@
           <a:p>
             <a:pPr lvl="0"/>
             <a:r>
-              <a:rPr lang="en-US" smtClean="0"/>
+              <a:rPr lang="en-US"/>
               <a:t>Edit Master text styles</a:t>
             </a:r>
           </a:p>
           <a:p>
             <a:pPr lvl="1"/>
             <a:r>
-              <a:rPr lang="en-US" smtClean="0"/>
+              <a:rPr lang="en-US"/>
               <a:t>Second level</a:t>
             </a:r>
           </a:p>
           <a:p>
             <a:pPr lvl="2"/>
             <a:r>
-              <a:rPr lang="en-US" smtClean="0"/>
+              <a:rPr lang="en-US"/>
               <a:t>Third level</a:t>
             </a:r>
           </a:p>
           <a:p>
             <a:pPr lvl="3"/>
             <a:r>
-              <a:rPr lang="en-US" smtClean="0"/>
+              <a:rPr lang="en-US"/>
               <a:t>Fourth level</a:t>
             </a:r>
           </a:p>
           <a:p>
             <a:pPr lvl="4"/>
             <a:r>
-              <a:rPr lang="en-US" smtClean="0"/>
+              <a:rPr lang="en-US"/>
               <a:t>Fifth level</a:t>
             </a:r>
-            <a:endParaRPr lang="en-US"/>
           </a:p>
         </p:txBody>
       </p:sp>
@@ -2074,7 +2061,7 @@
           <a:p>
             <a:pPr lvl="0"/>
             <a:r>
-              <a:rPr lang="en-US" smtClean="0"/>
+              <a:rPr lang="en-US"/>
               <a:t>Edit Master text styles</a:t>
             </a:r>
           </a:p>
@@ -2200,10 +2187,9 @@
           </a:lstStyle>
           <a:p>
             <a:r>
-              <a:rPr lang="en-US" smtClean="0"/>
+              <a:rPr lang="en-US"/>
               <a:t>Click to edit Master title style</a:t>
             </a:r>
-            <a:endParaRPr lang="en-US"/>
           </a:p>
         </p:txBody>
       </p:sp>
@@ -2327,7 +2313,7 @@
           <a:p>
             <a:pPr lvl="0"/>
             <a:r>
-              <a:rPr lang="en-US" smtClean="0"/>
+              <a:rPr lang="en-US"/>
               <a:t>Edit Master text styles</a:t>
             </a:r>
           </a:p>
@@ -2459,10 +2445,9 @@
           <a:lstStyle/>
           <a:p>
             <a:r>
-              <a:rPr lang="en-US" smtClean="0"/>
+              <a:rPr lang="en-US"/>
               <a:t>Click to edit Master title style</a:t>
             </a:r>
-            <a:endParaRPr lang="en-US"/>
           </a:p>
         </p:txBody>
       </p:sp>
@@ -2493,38 +2478,37 @@
           <a:p>
             <a:pPr lvl="0"/>
             <a:r>
-              <a:rPr lang="en-US" smtClean="0"/>
+              <a:rPr lang="en-US"/>
               <a:t>Edit Master text styles</a:t>
             </a:r>
           </a:p>
           <a:p>
             <a:pPr lvl="1"/>
             <a:r>
-              <a:rPr lang="en-US" smtClean="0"/>
+              <a:rPr lang="en-US"/>
               <a:t>Second level</a:t>
             </a:r>
           </a:p>
           <a:p>
             <a:pPr lvl="2"/>
             <a:r>
-              <a:rPr lang="en-US" smtClean="0"/>
+              <a:rPr lang="en-US"/>
               <a:t>Third level</a:t>
             </a:r>
           </a:p>
           <a:p>
             <a:pPr lvl="3"/>
             <a:r>
-              <a:rPr lang="en-US" smtClean="0"/>
+              <a:rPr lang="en-US"/>
               <a:t>Fourth level</a:t>
             </a:r>
           </a:p>
           <a:p>
             <a:pPr lvl="4"/>
             <a:r>
-              <a:rPr lang="en-US" smtClean="0"/>
+              <a:rPr lang="en-US"/>
               <a:t>Fifth level</a:t>
             </a:r>
-            <a:endParaRPr lang="en-US"/>
           </a:p>
         </p:txBody>
       </p:sp>
@@ -2984,21 +2968,16 @@
           <a:lstStyle/>
           <a:p>
             <a:r>
-              <a:rPr lang="en-US" dirty="0" err="1" smtClean="0"/>
+              <a:rPr lang="en-US" dirty="0" err="1"/>
               <a:t>PyPRIS</a:t>
             </a:r>
-            <a:r>
-              <a:rPr lang="en-US" dirty="0" smtClean="0"/>
-              <a:t/>
-            </a:r>
             <a:br>
-              <a:rPr lang="en-US" dirty="0" smtClean="0"/>
+              <a:rPr lang="en-US" dirty="0"/>
             </a:br>
             <a:r>
-              <a:rPr lang="en-US" dirty="0" smtClean="0"/>
+              <a:rPr lang="en-US" dirty="0"/>
               <a:t>Architecture</a:t>
             </a:r>
-            <a:endParaRPr lang="en-US" dirty="0"/>
           </a:p>
         </p:txBody>
       </p:sp>
@@ -3018,10 +2997,9 @@
           <a:lstStyle/>
           <a:p>
             <a:r>
-              <a:rPr lang="en-US" dirty="0" smtClean="0"/>
+              <a:rPr lang="en-US" dirty="0"/>
               <a:t>Xiyu Yi @UCLA 2018</a:t>
             </a:r>
-            <a:endParaRPr lang="en-US" dirty="0"/>
           </a:p>
         </p:txBody>
       </p:sp>
@@ -3078,10 +3056,9 @@
           <a:lstStyle/>
           <a:p>
             <a:r>
-              <a:rPr lang="en-US" dirty="0" smtClean="0"/>
+              <a:rPr lang="en-US" dirty="0"/>
               <a:t>Solving PRIS requires several major functions</a:t>
             </a:r>
-            <a:endParaRPr lang="en-US" dirty="0"/>
           </a:p>
         </p:txBody>
       </p:sp>
@@ -3108,10 +3085,9 @@
           <a:lstStyle/>
           <a:p>
             <a:r>
-              <a:rPr lang="en-US" dirty="0" smtClean="0"/>
+              <a:rPr lang="en-US" dirty="0"/>
               <a:t>Outer iteration (PRIS)</a:t>
             </a:r>
-            <a:endParaRPr lang="en-US" dirty="0"/>
           </a:p>
         </p:txBody>
       </p:sp>
@@ -3138,10 +3114,9 @@
           <a:lstStyle/>
           <a:p>
             <a:r>
-              <a:rPr lang="en-US" dirty="0" smtClean="0"/>
+              <a:rPr lang="en-US" dirty="0"/>
               <a:t>Inner iteration (pure sparse recovery solver, currently linearized bregman iteration)</a:t>
             </a:r>
-            <a:endParaRPr lang="en-US" dirty="0"/>
           </a:p>
         </p:txBody>
       </p:sp>
@@ -3182,10 +3157,9 @@
           <a:p>
             <a:pPr algn="ctr"/>
             <a:r>
-              <a:rPr lang="en-US" dirty="0" smtClean="0"/>
+              <a:rPr lang="en-US" dirty="0"/>
               <a:t>PRIS object</a:t>
             </a:r>
-            <a:endParaRPr lang="en-US" dirty="0"/>
           </a:p>
         </p:txBody>
       </p:sp>
@@ -3226,10 +3200,9 @@
           <a:p>
             <a:pPr algn="ctr"/>
             <a:r>
-              <a:rPr lang="en-US" dirty="0" smtClean="0"/>
+              <a:rPr lang="en-US" dirty="0"/>
               <a:t>Setter of sparse-recovery solver</a:t>
             </a:r>
-            <a:endParaRPr lang="en-US" dirty="0"/>
           </a:p>
         </p:txBody>
       </p:sp>
@@ -3270,10 +3243,9 @@
           <a:p>
             <a:pPr algn="ctr"/>
             <a:r>
-              <a:rPr lang="en-US" dirty="0" smtClean="0"/>
+              <a:rPr lang="en-US" dirty="0"/>
               <a:t>Setter of PRIS options</a:t>
             </a:r>
-            <a:endParaRPr lang="en-US" dirty="0"/>
           </a:p>
         </p:txBody>
       </p:sp>
@@ -3314,10 +3286,9 @@
           <a:p>
             <a:pPr algn="ctr"/>
             <a:r>
-              <a:rPr lang="en-US" dirty="0" smtClean="0"/>
+              <a:rPr lang="en-US" dirty="0"/>
               <a:t>Setter for next PRIS iteration</a:t>
             </a:r>
-            <a:endParaRPr lang="en-US" dirty="0"/>
           </a:p>
         </p:txBody>
       </p:sp>
@@ -3358,7 +3329,7 @@
           <a:p>
             <a:pPr algn="ctr"/>
             <a:r>
-              <a:rPr lang="en-US" dirty="0" err="1" smtClean="0"/>
+              <a:rPr lang="en-US" dirty="0" err="1"/>
               <a:t>pris_go</a:t>
             </a:r>
             <a:endParaRPr lang="en-US" dirty="0"/>
@@ -3418,10 +3389,9 @@
           <a:lstStyle/>
           <a:p>
             <a:r>
-              <a:rPr lang="en-US" dirty="0" smtClean="0"/>
+              <a:rPr lang="en-US" dirty="0"/>
               <a:t>Module type</a:t>
             </a:r>
-            <a:endParaRPr lang="en-US" dirty="0"/>
           </a:p>
         </p:txBody>
       </p:sp>
@@ -3434,7 +3404,7 @@
         <p:spPr>
           <a:xfrm>
             <a:off x="231343" y="3129941"/>
-            <a:ext cx="11813174" cy="3139321"/>
+            <a:ext cx="11813174" cy="4247317"/>
           </a:xfrm>
           <a:prstGeom prst="rect">
             <a:avLst/>
@@ -3448,7 +3418,7 @@
           <a:lstStyle/>
           <a:p>
             <a:r>
-              <a:rPr lang="en-US" dirty="0" smtClean="0"/>
+              <a:rPr lang="en-US" dirty="0"/>
               <a:t>PRIS module.</a:t>
             </a:r>
           </a:p>
@@ -3458,16 +3428,17 @@
               <a:buChar char="•"/>
             </a:pPr>
             <a:r>
-              <a:rPr lang="en-US" dirty="0" smtClean="0"/>
-              <a:t>PRIS module is the main module, not many alternatives are developed yet. </a:t>
-            </a:r>
-          </a:p>
-          <a:p>
-            <a:r>
               <a:rPr lang="en-US" dirty="0"/>
-              <a:t>	</a:t>
-            </a:r>
-            <a:endParaRPr lang="en-US" dirty="0" smtClean="0"/>
+              <a:t>PRIS module is the main module, not many alternatives are developed yet. It contains the PRIS class, and </a:t>
+            </a:r>
+            <a:r>
+              <a:rPr lang="en-US" dirty="0" err="1"/>
+              <a:t>PrisOpts</a:t>
+            </a:r>
+            <a:r>
+              <a:rPr lang="en-US" dirty="0"/>
+              <a:t> class.</a:t>
+            </a:r>
           </a:p>
           <a:p>
             <a:pPr marL="742950" lvl="1" indent="-285750">
@@ -3475,7 +3446,45 @@
               <a:buChar char="•"/>
             </a:pPr>
             <a:r>
-              <a:rPr lang="en-US" dirty="0" smtClean="0"/>
+              <a:rPr lang="en-US" dirty="0"/>
+              <a:t>PRIS class:</a:t>
+            </a:r>
+          </a:p>
+          <a:p>
+            <a:pPr lvl="2"/>
+            <a:r>
+              <a:rPr lang="en-US" dirty="0"/>
+              <a:t>Methods: </a:t>
+            </a:r>
+            <a:r>
+              <a:rPr lang="en-US" dirty="0" err="1"/>
+              <a:t>pris_refine</a:t>
+            </a:r>
+            <a:endParaRPr lang="en-US" dirty="0"/>
+          </a:p>
+          <a:p>
+            <a:pPr lvl="2"/>
+            <a:r>
+              <a:rPr lang="en-US" dirty="0"/>
+              <a:t>	</a:t>
+            </a:r>
+            <a:r>
+              <a:rPr lang="en-US" dirty="0" err="1"/>
+              <a:t>pris_go</a:t>
+            </a:r>
+            <a:endParaRPr lang="en-US" dirty="0"/>
+          </a:p>
+          <a:p>
+            <a:pPr lvl="1"/>
+            <a:endParaRPr lang="en-US" dirty="0"/>
+          </a:p>
+          <a:p>
+            <a:pPr marL="742950" lvl="1" indent="-285750">
+              <a:buFont typeface="Arial" panose="020B0604020202020204" pitchFamily="34" charset="0"/>
+              <a:buChar char="•"/>
+            </a:pPr>
+            <a:r>
+              <a:rPr lang="en-US" dirty="0"/>
               <a:t>Module interface:</a:t>
             </a:r>
           </a:p>
@@ -3485,7 +3494,7 @@
               <a:buChar char="•"/>
             </a:pPr>
             <a:r>
-              <a:rPr lang="en-US" dirty="0" smtClean="0"/>
+              <a:rPr lang="en-US" dirty="0"/>
               <a:t>It takes objects of input options, PRIS options,  </a:t>
             </a:r>
           </a:p>
@@ -3495,7 +3504,7 @@
               <a:buChar char="•"/>
             </a:pPr>
             <a:r>
-              <a:rPr lang="en-US" dirty="0" smtClean="0"/>
+              <a:rPr lang="en-US" dirty="0"/>
               <a:t>and hand over these objects to sparse recovery modules. </a:t>
             </a:r>
           </a:p>
@@ -3505,7 +3514,7 @@
               <a:buChar char="•"/>
             </a:pPr>
             <a:r>
-              <a:rPr lang="en-US" dirty="0" smtClean="0"/>
+              <a:rPr lang="en-US" dirty="0"/>
               <a:t>It handles the returns from the sparse recovery module, update with itself, then deliver it back to sparse recovery module. </a:t>
             </a:r>
           </a:p>
@@ -3515,12 +3524,12 @@
               <a:buChar char="•"/>
             </a:pPr>
             <a:r>
-              <a:rPr lang="en-US" dirty="0" smtClean="0"/>
+              <a:rPr lang="en-US" dirty="0"/>
               <a:t>It also handles these returns from the sparse recovery module and deliver it to the visualization/exportation module.</a:t>
             </a:r>
           </a:p>
           <a:p>
-            <a:endParaRPr lang="en-US" dirty="0" smtClean="0"/>
+            <a:endParaRPr lang="en-US" dirty="0"/>
           </a:p>
         </p:txBody>
       </p:sp>
@@ -3547,7 +3556,7 @@
           <a:lstStyle/>
           <a:p>
             <a:r>
-              <a:rPr lang="en-US" dirty="0" smtClean="0"/>
+              <a:rPr lang="en-US" dirty="0"/>
               <a:t>Sparse recovery module</a:t>
             </a:r>
           </a:p>
@@ -3557,7 +3566,7 @@
               <a:buChar char="•"/>
             </a:pPr>
             <a:r>
-              <a:rPr lang="en-US" dirty="0" smtClean="0"/>
+              <a:rPr lang="en-US" dirty="0"/>
               <a:t>One sparse recovery module represent one sparse recovery algorithm.</a:t>
             </a:r>
           </a:p>
@@ -3567,15 +3576,15 @@
               <a:buChar char="•"/>
             </a:pPr>
             <a:r>
-              <a:rPr lang="en-US" dirty="0" smtClean="0"/>
+              <a:rPr lang="en-US" dirty="0"/>
               <a:t>Each module contains two classes: (</a:t>
             </a:r>
             <a:r>
-              <a:rPr lang="en-US" dirty="0" err="1" smtClean="0"/>
+              <a:rPr lang="en-US" dirty="0" err="1"/>
               <a:t>i</a:t>
             </a:r>
             <a:r>
-              <a:rPr lang="en-US" dirty="0" smtClean="0"/>
+              <a:rPr lang="en-US" dirty="0"/>
               <a:t>) the solver and (ii) the options.</a:t>
             </a:r>
           </a:p>
@@ -3584,7 +3593,7 @@
               <a:buFont typeface="Arial" panose="020B0604020202020204" pitchFamily="34" charset="0"/>
               <a:buChar char="•"/>
             </a:pPr>
-            <a:endParaRPr lang="en-US" dirty="0" smtClean="0"/>
+            <a:endParaRPr lang="en-US" dirty="0"/>
           </a:p>
           <a:p>
             <a:pPr marL="742950" lvl="1" indent="-285750">
@@ -3592,23 +3601,23 @@
               <a:buChar char="•"/>
             </a:pPr>
             <a:r>
-              <a:rPr lang="en-US" dirty="0" smtClean="0"/>
+              <a:rPr lang="en-US" dirty="0"/>
               <a:t>For example, the module for linearized bregman iteration is lbreg.py, it contains the solver class ‘</a:t>
             </a:r>
             <a:r>
-              <a:rPr lang="en-US" dirty="0" err="1" smtClean="0"/>
+              <a:rPr lang="en-US" dirty="0" err="1"/>
               <a:t>LbregSolver</a:t>
             </a:r>
             <a:r>
-              <a:rPr lang="en-US" dirty="0" smtClean="0"/>
+              <a:rPr lang="en-US" dirty="0"/>
               <a:t>’, and the options class ‘</a:t>
             </a:r>
             <a:r>
-              <a:rPr lang="en-US" dirty="0" err="1" smtClean="0"/>
+              <a:rPr lang="en-US" dirty="0" err="1"/>
               <a:t>LbregOpts</a:t>
             </a:r>
             <a:r>
-              <a:rPr lang="en-US" dirty="0" smtClean="0"/>
+              <a:rPr lang="en-US" dirty="0"/>
               <a:t>’</a:t>
             </a:r>
           </a:p>
@@ -3618,7 +3627,7 @@
               <a:buChar char="•"/>
             </a:pPr>
             <a:r>
-              <a:rPr lang="en-US" dirty="0" smtClean="0"/>
+              <a:rPr lang="en-US" dirty="0"/>
               <a:t>	</a:t>
             </a:r>
           </a:p>
@@ -3628,7 +3637,7 @@
               <a:buChar char="•"/>
             </a:pPr>
             <a:r>
-              <a:rPr lang="en-US" dirty="0" smtClean="0"/>
+              <a:rPr lang="en-US" dirty="0"/>
               <a:t>Class interface of the Solver:  it takes the ‘A’ and ‘y’ of the ‘Ax=y’ problem, and returns the ‘x’.</a:t>
             </a:r>
           </a:p>
@@ -3638,7 +3647,7 @@
               <a:buChar char="•"/>
             </a:pPr>
             <a:r>
-              <a:rPr lang="en-US" dirty="0" smtClean="0"/>
+              <a:rPr lang="en-US" dirty="0"/>
               <a:t>Class interface of the options: takes user input, feed it into the solver within the same module.</a:t>
             </a:r>
           </a:p>
@@ -3697,10 +3706,9 @@
           <a:lstStyle/>
           <a:p>
             <a:r>
-              <a:rPr lang="en-US" dirty="0" smtClean="0"/>
+              <a:rPr lang="en-US" dirty="0"/>
               <a:t>Module type</a:t>
             </a:r>
-            <a:endParaRPr lang="en-US" dirty="0"/>
           </a:p>
         </p:txBody>
       </p:sp>
@@ -3727,7 +3735,7 @@
           <a:lstStyle/>
           <a:p>
             <a:r>
-              <a:rPr lang="en-US" dirty="0" smtClean="0"/>
+              <a:rPr lang="en-US" dirty="0"/>
               <a:t>PRIS module.</a:t>
             </a:r>
           </a:p>
@@ -3737,18 +3745,18 @@
               <a:buChar char="•"/>
             </a:pPr>
             <a:r>
-              <a:rPr lang="en-US" dirty="0" smtClean="0"/>
+              <a:rPr lang="en-US" dirty="0"/>
               <a:t>PRIS module is the main module, not many alternatives are developed yet. </a:t>
             </a:r>
           </a:p>
           <a:p>
             <a:r>
-              <a:rPr lang="en-US" dirty="0" smtClean="0"/>
+              <a:rPr lang="en-US" dirty="0"/>
               <a:t>	it contains the preparation classes: PRIS options; input options; output options; intermediate output options.</a:t>
             </a:r>
           </a:p>
           <a:p>
-            <a:endParaRPr lang="en-US" dirty="0" smtClean="0"/>
+            <a:endParaRPr lang="en-US" dirty="0"/>
           </a:p>
           <a:p>
             <a:pPr marL="742950" lvl="1" indent="-285750">
@@ -3756,7 +3764,7 @@
               <a:buChar char="•"/>
             </a:pPr>
             <a:r>
-              <a:rPr lang="en-US" dirty="0" smtClean="0"/>
+              <a:rPr lang="en-US" dirty="0"/>
               <a:t>class interfaces:</a:t>
             </a:r>
           </a:p>
@@ -3766,7 +3774,7 @@
               <a:buChar char="•"/>
             </a:pPr>
             <a:r>
-              <a:rPr lang="en-US" dirty="0" smtClean="0"/>
+              <a:rPr lang="en-US" dirty="0"/>
               <a:t>PRIS It takes objects of input options, PRIS options, sparse recovery solver options,</a:t>
             </a:r>
           </a:p>
@@ -3776,7 +3784,7 @@
               <a:buChar char="•"/>
             </a:pPr>
             <a:r>
-              <a:rPr lang="en-US" dirty="0" smtClean="0"/>
+              <a:rPr lang="en-US" dirty="0"/>
               <a:t>It calls the designated solver</a:t>
             </a:r>
           </a:p>
@@ -3786,7 +3794,7 @@
               <a:buChar char="•"/>
             </a:pPr>
             <a:r>
-              <a:rPr lang="en-US" dirty="0" smtClean="0"/>
+              <a:rPr lang="en-US" dirty="0"/>
               <a:t>hand over these objects of options to the solver. </a:t>
             </a:r>
           </a:p>
@@ -3796,7 +3804,7 @@
               <a:buChar char="•"/>
             </a:pPr>
             <a:r>
-              <a:rPr lang="en-US" dirty="0" smtClean="0"/>
+              <a:rPr lang="en-US" dirty="0"/>
               <a:t>It handles the returns from the sparse recovery solver, update with itself, then deliver it back to sparse recovery solver. </a:t>
             </a:r>
           </a:p>
@@ -3806,12 +3814,12 @@
               <a:buChar char="•"/>
             </a:pPr>
             <a:r>
-              <a:rPr lang="en-US" dirty="0" smtClean="0"/>
+              <a:rPr lang="en-US" dirty="0"/>
               <a:t>It also handles these returns from the sparse recovery module and deliver it for visualization and exportation.</a:t>
             </a:r>
           </a:p>
           <a:p>
-            <a:endParaRPr lang="en-US" dirty="0" smtClean="0"/>
+            <a:endParaRPr lang="en-US" dirty="0"/>
           </a:p>
         </p:txBody>
       </p:sp>
@@ -3869,13 +3877,8 @@
           <a:p>
             <a:r>
               <a:rPr lang="en-US" sz="2000" dirty="0"/>
-              <a:t>I</a:t>
-            </a:r>
-            <a:r>
-              <a:rPr lang="en-US" sz="2000" dirty="0" smtClean="0"/>
-              <a:t>magine when we need to analyze a data, we do:</a:t>
-            </a:r>
-            <a:endParaRPr lang="en-US" sz="2000" dirty="0"/>
+              <a:t>Imagine when we need to analyze a data, we do:</a:t>
+            </a:r>
           </a:p>
         </p:txBody>
       </p:sp>
@@ -3902,67 +3905,67 @@
           <a:lstStyle/>
           <a:p>
             <a:r>
-              <a:rPr lang="en-US" sz="2000" dirty="0" smtClean="0"/>
+              <a:rPr lang="en-US" sz="2000" dirty="0"/>
               <a:t>Set parameters for PRIS</a:t>
             </a:r>
           </a:p>
           <a:p>
             <a:r>
-              <a:rPr lang="en-US" sz="2000" dirty="0" smtClean="0"/>
+              <a:rPr lang="en-US" sz="2000" dirty="0"/>
               <a:t>Choose a sparse-recovery solver  (defined in the spare recovery solver module)</a:t>
             </a:r>
           </a:p>
           <a:p>
             <a:pPr lvl="1"/>
             <a:r>
-              <a:rPr lang="en-US" sz="1600" dirty="0" smtClean="0"/>
+              <a:rPr lang="en-US" sz="1600" dirty="0"/>
               <a:t>“</a:t>
             </a:r>
             <a:r>
-              <a:rPr lang="en-US" sz="1600" dirty="0" err="1" smtClean="0"/>
+              <a:rPr lang="en-US" sz="1600" dirty="0" err="1"/>
               <a:t>Lbreg</a:t>
             </a:r>
             <a:r>
-              <a:rPr lang="en-US" sz="1600" dirty="0" smtClean="0"/>
+              <a:rPr lang="en-US" sz="1600" dirty="0"/>
               <a:t>” for linearized bregman iteration,  </a:t>
             </a:r>
           </a:p>
           <a:p>
             <a:pPr lvl="1"/>
             <a:r>
-              <a:rPr lang="en-US" sz="1600" dirty="0" smtClean="0"/>
+              <a:rPr lang="en-US" sz="1600" dirty="0"/>
               <a:t>“PDHG” for primal dual hybrid gradient method, etc.)</a:t>
             </a:r>
           </a:p>
           <a:p>
             <a:pPr lvl="1"/>
             <a:r>
-              <a:rPr lang="en-US" sz="1600" dirty="0" smtClean="0"/>
+              <a:rPr lang="en-US" sz="1600" dirty="0"/>
               <a:t>extendible</a:t>
             </a:r>
           </a:p>
           <a:p>
             <a:r>
-              <a:rPr lang="en-US" sz="2000" dirty="0" smtClean="0"/>
+              <a:rPr lang="en-US" sz="2000" dirty="0"/>
               <a:t>Choose parameters for the sparse-recovery solver</a:t>
             </a:r>
           </a:p>
           <a:p>
             <a:pPr lvl="1"/>
             <a:r>
-              <a:rPr lang="en-US" sz="1600" dirty="0" smtClean="0"/>
+              <a:rPr lang="en-US" sz="1600" dirty="0"/>
               <a:t>Each class </a:t>
             </a:r>
           </a:p>
           <a:p>
             <a:r>
-              <a:rPr lang="en-US" sz="2000" dirty="0" smtClean="0"/>
+              <a:rPr lang="en-US" sz="2000" dirty="0"/>
               <a:t>Set input configurations [path, filename, and so on]</a:t>
             </a:r>
           </a:p>
           <a:p>
             <a:r>
-              <a:rPr lang="en-US" sz="2000" dirty="0" smtClean="0"/>
+              <a:rPr lang="en-US" sz="2000" dirty="0"/>
               <a:t>Choose a sensing matrix generator</a:t>
             </a:r>
           </a:p>
@@ -3971,96 +3974,94 @@
           </a:p>
           <a:p>
             <a:r>
-              <a:rPr lang="en-US" sz="2000" dirty="0" smtClean="0"/>
+              <a:rPr lang="en-US" sz="2000" dirty="0"/>
               <a:t>Define a PRIS object, </a:t>
             </a:r>
             <a:r>
-              <a:rPr lang="en-US" sz="1600" dirty="0" smtClean="0"/>
+              <a:rPr lang="en-US" sz="1600" dirty="0"/>
               <a:t>and hand-over the following information to it:</a:t>
             </a:r>
           </a:p>
           <a:p>
             <a:pPr lvl="1"/>
             <a:r>
-              <a:rPr lang="en-US" sz="1600" dirty="0" smtClean="0"/>
+              <a:rPr lang="en-US" sz="1600" dirty="0"/>
               <a:t>PRIS options</a:t>
             </a:r>
           </a:p>
           <a:p>
             <a:pPr lvl="1"/>
             <a:r>
-              <a:rPr lang="en-US" sz="1600" dirty="0" smtClean="0"/>
+              <a:rPr lang="en-US" sz="1600" dirty="0"/>
               <a:t>Choice of sparse-recovery solver. </a:t>
             </a:r>
-            <a:endParaRPr lang="en-US" sz="1600" dirty="0"/>
           </a:p>
           <a:p>
             <a:pPr lvl="1"/>
             <a:r>
-              <a:rPr lang="en-US" sz="1600" dirty="0" smtClean="0"/>
+              <a:rPr lang="en-US" sz="1600" dirty="0"/>
               <a:t>Sparse-recovery solver options</a:t>
             </a:r>
           </a:p>
           <a:p>
             <a:pPr lvl="1"/>
             <a:r>
-              <a:rPr lang="en-US" sz="1600" dirty="0" smtClean="0"/>
+              <a:rPr lang="en-US" sz="1600" dirty="0"/>
               <a:t>Input options       [single, batch]</a:t>
             </a:r>
           </a:p>
           <a:p>
             <a:pPr lvl="1"/>
             <a:r>
-              <a:rPr lang="en-US" sz="1600" dirty="0" smtClean="0"/>
+              <a:rPr lang="en-US" sz="1600" dirty="0"/>
               <a:t>Output options    [single, batch, intermediate]</a:t>
             </a:r>
-            <a:endParaRPr lang="en-US" sz="1600" dirty="0"/>
           </a:p>
           <a:p>
             <a:pPr marL="0" indent="0">
               <a:buNone/>
             </a:pPr>
-            <a:endParaRPr lang="en-US" sz="2000" dirty="0" smtClean="0"/>
-          </a:p>
-          <a:p>
-            <a:r>
-              <a:rPr lang="en-US" sz="2000" dirty="0" err="1" smtClean="0"/>
+            <a:endParaRPr lang="en-US" sz="2000" dirty="0"/>
+          </a:p>
+          <a:p>
+            <a:r>
+              <a:rPr lang="en-US" sz="2000" dirty="0" err="1"/>
               <a:t>PRIS.initiate</a:t>
             </a:r>
             <a:r>
-              <a:rPr lang="en-US" sz="2000" dirty="0" smtClean="0"/>
+              <a:rPr lang="en-US" sz="2000" dirty="0"/>
               <a:t>()</a:t>
             </a:r>
           </a:p>
           <a:p>
             <a:pPr lvl="1"/>
             <a:r>
-              <a:rPr lang="en-US" sz="1600" dirty="0" err="1" smtClean="0"/>
+              <a:rPr lang="en-US" sz="1600" dirty="0" err="1"/>
               <a:t>Initialte</a:t>
             </a:r>
             <a:r>
-              <a:rPr lang="en-US" sz="1600" dirty="0" smtClean="0"/>
+              <a:rPr lang="en-US" sz="1600" dirty="0"/>
               <a:t> </a:t>
             </a:r>
             <a:r>
-              <a:rPr lang="en-US" sz="1600" dirty="0" err="1" smtClean="0"/>
+              <a:rPr lang="en-US" sz="1600" dirty="0" err="1"/>
               <a:t>coordiantes</a:t>
             </a:r>
             <a:r>
-              <a:rPr lang="en-US" sz="1600" dirty="0" smtClean="0"/>
+              <a:rPr lang="en-US" sz="1600" dirty="0"/>
               <a:t>, prepare sparse-recovery problem.</a:t>
             </a:r>
           </a:p>
           <a:p>
-            <a:endParaRPr lang="en-US" sz="2000" dirty="0" smtClean="0"/>
-          </a:p>
-          <a:p>
-            <a:r>
-              <a:rPr lang="en-US" sz="2000" dirty="0" err="1" smtClean="0"/>
+            <a:endParaRPr lang="en-US" sz="2000" dirty="0"/>
+          </a:p>
+          <a:p>
+            <a:r>
+              <a:rPr lang="en-US" sz="2000" dirty="0" err="1"/>
               <a:t>PRIS.go</a:t>
             </a:r>
             <a:r>
-              <a:rPr lang="en-US" sz="2000" dirty="0" smtClean="0"/>
+              <a:rPr lang="en-US" sz="2000" dirty="0"/>
               <a:t>()</a:t>
             </a:r>
           </a:p>
@@ -4068,45 +4069,20 @@
             <a:pPr lvl="1"/>
             <a:r>
               <a:rPr lang="en-US" sz="1600" dirty="0"/>
-              <a:t>U</a:t>
-            </a:r>
-            <a:r>
-              <a:rPr lang="en-US" sz="1600" dirty="0" smtClean="0"/>
-              <a:t>pdate coordinates,</a:t>
-            </a:r>
-            <a:r>
-              <a:rPr lang="en-US" sz="1600" dirty="0" smtClean="0"/>
-              <a:t> Prepare sparse-recovery problem.</a:t>
-            </a:r>
-            <a:endParaRPr lang="en-US" sz="1600" dirty="0" smtClean="0"/>
+              <a:t>Update coordinates, Prepare sparse-recovery problem.</a:t>
+            </a:r>
           </a:p>
           <a:p>
             <a:pPr lvl="1"/>
             <a:r>
-              <a:rPr lang="en-US" sz="1600" dirty="0" smtClean="0"/>
-              <a:t>Solve sparse-recovery problem. [call </a:t>
-            </a:r>
-            <a:r>
-              <a:rPr lang="en-US" sz="1600" dirty="0" smtClean="0"/>
-              <a:t>sparse-recovery</a:t>
-            </a:r>
-            <a:r>
-              <a:rPr lang="en-US" sz="1600" dirty="0" smtClean="0"/>
-              <a:t> solver with the corresponding </a:t>
-            </a:r>
-            <a:r>
-              <a:rPr lang="en-US" sz="1600" dirty="0" smtClean="0"/>
-              <a:t>sparse-recovery</a:t>
-            </a:r>
-            <a:r>
-              <a:rPr lang="en-US" sz="1600" dirty="0" smtClean="0"/>
-              <a:t> options]</a:t>
+              <a:rPr lang="en-US" sz="1600" dirty="0"/>
+              <a:t>Solve sparse-recovery problem. [call sparse-recovery solver with the corresponding sparse-recovery options]</a:t>
             </a:r>
           </a:p>
           <a:p>
             <a:pPr lvl="1"/>
             <a:r>
-              <a:rPr lang="en-US" sz="1600" dirty="0" smtClean="0"/>
+              <a:rPr lang="en-US" sz="1600" dirty="0"/>
               <a:t>Intermediate output.</a:t>
             </a:r>
           </a:p>

--- a/architecture.pptx
+++ b/architecture.pptx
@@ -7,8 +7,8 @@
   <p:sldIdLst>
     <p:sldId id="256" r:id="rId2"/>
     <p:sldId id="257" r:id="rId3"/>
-    <p:sldId id="259" r:id="rId4"/>
-    <p:sldId id="260" r:id="rId5"/>
+    <p:sldId id="260" r:id="rId4"/>
+    <p:sldId id="259" r:id="rId5"/>
     <p:sldId id="258" r:id="rId6"/>
   </p:sldIdLst>
   <p:sldSz cx="12192000" cy="6858000"/>
@@ -245,7 +245,7 @@
           <a:p>
             <a:fld id="{F16801A1-B361-4DE5-909F-EB78B1350253}" type="datetimeFigureOut">
               <a:rPr lang="en-US" smtClean="0"/>
-              <a:t>11/5/2018</a:t>
+              <a:t>11/6/2018</a:t>
             </a:fld>
             <a:endParaRPr lang="en-US"/>
           </a:p>
@@ -413,7 +413,7 @@
           <a:p>
             <a:fld id="{F16801A1-B361-4DE5-909F-EB78B1350253}" type="datetimeFigureOut">
               <a:rPr lang="en-US" smtClean="0"/>
-              <a:t>11/5/2018</a:t>
+              <a:t>11/6/2018</a:t>
             </a:fld>
             <a:endParaRPr lang="en-US"/>
           </a:p>
@@ -591,7 +591,7 @@
           <a:p>
             <a:fld id="{F16801A1-B361-4DE5-909F-EB78B1350253}" type="datetimeFigureOut">
               <a:rPr lang="en-US" smtClean="0"/>
-              <a:t>11/5/2018</a:t>
+              <a:t>11/6/2018</a:t>
             </a:fld>
             <a:endParaRPr lang="en-US"/>
           </a:p>
@@ -759,7 +759,7 @@
           <a:p>
             <a:fld id="{F16801A1-B361-4DE5-909F-EB78B1350253}" type="datetimeFigureOut">
               <a:rPr lang="en-US" smtClean="0"/>
-              <a:t>11/5/2018</a:t>
+              <a:t>11/6/2018</a:t>
             </a:fld>
             <a:endParaRPr lang="en-US"/>
           </a:p>
@@ -1004,7 +1004,7 @@
           <a:p>
             <a:fld id="{F16801A1-B361-4DE5-909F-EB78B1350253}" type="datetimeFigureOut">
               <a:rPr lang="en-US" smtClean="0"/>
-              <a:t>11/5/2018</a:t>
+              <a:t>11/6/2018</a:t>
             </a:fld>
             <a:endParaRPr lang="en-US"/>
           </a:p>
@@ -1233,7 +1233,7 @@
           <a:p>
             <a:fld id="{F16801A1-B361-4DE5-909F-EB78B1350253}" type="datetimeFigureOut">
               <a:rPr lang="en-US" smtClean="0"/>
-              <a:t>11/5/2018</a:t>
+              <a:t>11/6/2018</a:t>
             </a:fld>
             <a:endParaRPr lang="en-US"/>
           </a:p>
@@ -1597,7 +1597,7 @@
           <a:p>
             <a:fld id="{F16801A1-B361-4DE5-909F-EB78B1350253}" type="datetimeFigureOut">
               <a:rPr lang="en-US" smtClean="0"/>
-              <a:t>11/5/2018</a:t>
+              <a:t>11/6/2018</a:t>
             </a:fld>
             <a:endParaRPr lang="en-US"/>
           </a:p>
@@ -1714,7 +1714,7 @@
           <a:p>
             <a:fld id="{F16801A1-B361-4DE5-909F-EB78B1350253}" type="datetimeFigureOut">
               <a:rPr lang="en-US" smtClean="0"/>
-              <a:t>11/5/2018</a:t>
+              <a:t>11/6/2018</a:t>
             </a:fld>
             <a:endParaRPr lang="en-US"/>
           </a:p>
@@ -1809,7 +1809,7 @@
           <a:p>
             <a:fld id="{F16801A1-B361-4DE5-909F-EB78B1350253}" type="datetimeFigureOut">
               <a:rPr lang="en-US" smtClean="0"/>
-              <a:t>11/5/2018</a:t>
+              <a:t>11/6/2018</a:t>
             </a:fld>
             <a:endParaRPr lang="en-US"/>
           </a:p>
@@ -2084,7 +2084,7 @@
           <a:p>
             <a:fld id="{F16801A1-B361-4DE5-909F-EB78B1350253}" type="datetimeFigureOut">
               <a:rPr lang="en-US" smtClean="0"/>
-              <a:t>11/5/2018</a:t>
+              <a:t>11/6/2018</a:t>
             </a:fld>
             <a:endParaRPr lang="en-US"/>
           </a:p>
@@ -2336,7 +2336,7 @@
           <a:p>
             <a:fld id="{F16801A1-B361-4DE5-909F-EB78B1350253}" type="datetimeFigureOut">
               <a:rPr lang="en-US" smtClean="0"/>
-              <a:t>11/5/2018</a:t>
+              <a:t>11/6/2018</a:t>
             </a:fld>
             <a:endParaRPr lang="en-US"/>
           </a:p>
@@ -2547,7 +2547,7 @@
           <a:p>
             <a:fld id="{F16801A1-B361-4DE5-909F-EB78B1350253}" type="datetimeFigureOut">
               <a:rPr lang="en-US" smtClean="0"/>
-              <a:t>11/5/2018</a:t>
+              <a:t>11/6/2018</a:t>
             </a:fld>
             <a:endParaRPr lang="en-US"/>
           </a:p>
@@ -3403,8 +3403,8 @@
         </p:nvSpPr>
         <p:spPr>
           <a:xfrm>
-            <a:off x="231343" y="3129941"/>
-            <a:ext cx="11813174" cy="4247317"/>
+            <a:off x="292666" y="501365"/>
+            <a:ext cx="11813174" cy="6186309"/>
           </a:xfrm>
           <a:prstGeom prst="rect">
             <a:avLst/>
@@ -3429,7 +3429,25 @@
             </a:pPr>
             <a:r>
               <a:rPr lang="en-US" dirty="0"/>
-              <a:t>PRIS module is the main module, not many alternatives are developed yet. It contains the PRIS class, and </a:t>
+              <a:t>PRIS module is the main module, not many alternatives are developed yet. </a:t>
+            </a:r>
+          </a:p>
+          <a:p>
+            <a:r>
+              <a:rPr lang="en-US" dirty="0"/>
+              <a:t>	it contains the main PRIS solver class: PRIS</a:t>
+            </a:r>
+          </a:p>
+          <a:p>
+            <a:r>
+              <a:rPr lang="en-US" dirty="0"/>
+              <a:t>	and class for options</a:t>
+            </a:r>
+          </a:p>
+          <a:p>
+            <a:r>
+              <a:rPr lang="en-US" dirty="0"/>
+              <a:t>		</a:t>
             </a:r>
             <a:r>
               <a:rPr lang="en-US" dirty="0" err="1"/>
@@ -3437,8 +3455,17 @@
             </a:r>
             <a:r>
               <a:rPr lang="en-US" dirty="0"/>
-              <a:t> class.</a:t>
-            </a:r>
+              <a:t>: input, output, refinement factors, refinement number, </a:t>
+            </a:r>
+          </a:p>
+          <a:p>
+            <a:r>
+              <a:rPr lang="en-US" dirty="0"/>
+              <a:t>		intermediate output options; refiner, selector</a:t>
+            </a:r>
+          </a:p>
+          <a:p>
+            <a:endParaRPr lang="en-US" dirty="0"/>
           </a:p>
           <a:p>
             <a:pPr marL="742950" lvl="1" indent="-285750">
@@ -3447,20 +3474,15 @@
             </a:pPr>
             <a:r>
               <a:rPr lang="en-US" dirty="0"/>
-              <a:t>PRIS class:</a:t>
+              <a:t>class interfaces:</a:t>
             </a:r>
           </a:p>
           <a:p>
             <a:pPr lvl="2"/>
             <a:r>
               <a:rPr lang="en-US" dirty="0"/>
-              <a:t>Methods: </a:t>
-            </a:r>
-            <a:r>
-              <a:rPr lang="en-US" dirty="0" err="1"/>
-              <a:t>pris_refine</a:t>
-            </a:r>
-            <a:endParaRPr lang="en-US" dirty="0"/>
+              <a:t>Need to take these objects:</a:t>
+            </a:r>
           </a:p>
           <a:p>
             <a:pPr lvl="2"/>
@@ -3470,22 +3492,59 @@
             </a:r>
             <a:r>
               <a:rPr lang="en-US" dirty="0" err="1"/>
-              <a:t>pris_go</a:t>
+              <a:t>pris_opts</a:t>
             </a:r>
             <a:endParaRPr lang="en-US" dirty="0"/>
           </a:p>
           <a:p>
-            <a:pPr lvl="1"/>
+            <a:pPr lvl="2"/>
+            <a:r>
+              <a:rPr lang="en-US" dirty="0"/>
+              <a:t>	</a:t>
+            </a:r>
+            <a:r>
+              <a:rPr lang="en-US" dirty="0" err="1"/>
+              <a:t>subsolver_opts</a:t>
+            </a:r>
             <a:endParaRPr lang="en-US" dirty="0"/>
           </a:p>
           <a:p>
-            <a:pPr marL="742950" lvl="1" indent="-285750">
-              <a:buFont typeface="Arial" panose="020B0604020202020204" pitchFamily="34" charset="0"/>
-              <a:buChar char="•"/>
-            </a:pPr>
+            <a:pPr lvl="2"/>
             <a:r>
               <a:rPr lang="en-US" dirty="0"/>
-              <a:t>Module interface:</a:t>
+              <a:t>	</a:t>
+            </a:r>
+            <a:r>
+              <a:rPr lang="en-US" dirty="0" err="1"/>
+              <a:t>subsolver</a:t>
+            </a:r>
+            <a:endParaRPr lang="en-US" dirty="0"/>
+          </a:p>
+          <a:p>
+            <a:pPr lvl="2"/>
+            <a:r>
+              <a:rPr lang="en-US" dirty="0"/>
+              <a:t>	</a:t>
+            </a:r>
+            <a:r>
+              <a:rPr lang="en-US" dirty="0" err="1"/>
+              <a:t>psf_model</a:t>
+            </a:r>
+            <a:endParaRPr lang="en-US" dirty="0"/>
+          </a:p>
+          <a:p>
+            <a:pPr lvl="2"/>
+            <a:r>
+              <a:rPr lang="en-US"/>
+              <a:t>	selector</a:t>
+            </a:r>
+            <a:endParaRPr lang="en-US" dirty="0"/>
+          </a:p>
+          <a:p>
+            <a:pPr lvl="2"/>
+            <a:r>
+              <a:rPr lang="en-US" dirty="0"/>
+              <a:t>	refiner</a:t>
             </a:r>
           </a:p>
           <a:p>
@@ -3495,7 +3554,7 @@
             </a:pPr>
             <a:r>
               <a:rPr lang="en-US" dirty="0"/>
-              <a:t>It takes objects of input options, PRIS options,  </a:t>
+              <a:t>PRIS It takes objects of input options, PRIS options, sparse recovery solver options,</a:t>
             </a:r>
           </a:p>
           <a:p>
@@ -3505,7 +3564,7 @@
             </a:pPr>
             <a:r>
               <a:rPr lang="en-US" dirty="0"/>
-              <a:t>and hand over these objects to sparse recovery modules. </a:t>
+              <a:t>It calls the designated solver</a:t>
             </a:r>
           </a:p>
           <a:p>
@@ -3515,7 +3574,7 @@
             </a:pPr>
             <a:r>
               <a:rPr lang="en-US" dirty="0"/>
-              <a:t>It handles the returns from the sparse recovery module, update with itself, then deliver it back to sparse recovery module. </a:t>
+              <a:t>hand over these objects of options to the solver. </a:t>
             </a:r>
           </a:p>
           <a:p>
@@ -3525,138 +3584,28 @@
             </a:pPr>
             <a:r>
               <a:rPr lang="en-US" dirty="0"/>
-              <a:t>It also handles these returns from the sparse recovery module and deliver it to the visualization/exportation module.</a:t>
-            </a:r>
-          </a:p>
-          <a:p>
-            <a:endParaRPr lang="en-US" dirty="0"/>
-          </a:p>
-        </p:txBody>
-      </p:sp>
-      <p:sp>
-        <p:nvSpPr>
-          <p:cNvPr id="7" name="TextBox 6"/>
-          <p:cNvSpPr txBox="1"/>
-          <p:nvPr/>
-        </p:nvSpPr>
-        <p:spPr>
-          <a:xfrm>
-            <a:off x="231343" y="369332"/>
-            <a:ext cx="11793509" cy="2585323"/>
-          </a:xfrm>
-          <a:prstGeom prst="rect">
-            <a:avLst/>
-          </a:prstGeom>
-          <a:noFill/>
-        </p:spPr>
-        <p:txBody>
-          <a:bodyPr wrap="square" rtlCol="0">
-            <a:spAutoFit/>
-          </a:bodyPr>
-          <a:lstStyle/>
-          <a:p>
-            <a:r>
-              <a:rPr lang="en-US" dirty="0"/>
-              <a:t>Sparse recovery module</a:t>
-            </a:r>
-          </a:p>
-          <a:p>
-            <a:pPr marL="742950" lvl="1" indent="-285750">
+              <a:t>It handles the returns from the sparse recovery solver, update with itself, then deliver it back to sparse recovery solver. </a:t>
+            </a:r>
+          </a:p>
+          <a:p>
+            <a:pPr marL="1200150" lvl="2" indent="-285750">
               <a:buFont typeface="Arial" panose="020B0604020202020204" pitchFamily="34" charset="0"/>
               <a:buChar char="•"/>
             </a:pPr>
             <a:r>
               <a:rPr lang="en-US" dirty="0"/>
-              <a:t>One sparse recovery module represent one sparse recovery algorithm.</a:t>
-            </a:r>
-          </a:p>
-          <a:p>
-            <a:pPr marL="742950" lvl="1" indent="-285750">
-              <a:buFont typeface="Arial" panose="020B0604020202020204" pitchFamily="34" charset="0"/>
-              <a:buChar char="•"/>
-            </a:pPr>
-            <a:r>
-              <a:rPr lang="en-US" dirty="0"/>
-              <a:t>Each module contains two classes: (</a:t>
-            </a:r>
-            <a:r>
-              <a:rPr lang="en-US" dirty="0" err="1"/>
-              <a:t>i</a:t>
-            </a:r>
-            <a:r>
-              <a:rPr lang="en-US" dirty="0"/>
-              <a:t>) the solver and (ii) the options.</a:t>
-            </a:r>
-          </a:p>
-          <a:p>
-            <a:pPr marL="742950" lvl="1" indent="-285750">
-              <a:buFont typeface="Arial" panose="020B0604020202020204" pitchFamily="34" charset="0"/>
-              <a:buChar char="•"/>
-            </a:pPr>
+              <a:t>It also handles these returns from the sparse recovery module and deliver it for visualization and exportation.</a:t>
+            </a:r>
+          </a:p>
+          <a:p>
             <a:endParaRPr lang="en-US" dirty="0"/>
-          </a:p>
-          <a:p>
-            <a:pPr marL="742950" lvl="1" indent="-285750">
-              <a:buFont typeface="Arial" panose="020B0604020202020204" pitchFamily="34" charset="0"/>
-              <a:buChar char="•"/>
-            </a:pPr>
-            <a:r>
-              <a:rPr lang="en-US" dirty="0"/>
-              <a:t>For example, the module for linearized bregman iteration is lbreg.py, it contains the solver class ‘</a:t>
-            </a:r>
-            <a:r>
-              <a:rPr lang="en-US" dirty="0" err="1"/>
-              <a:t>LbregSolver</a:t>
-            </a:r>
-            <a:r>
-              <a:rPr lang="en-US" dirty="0"/>
-              <a:t>’, and the options class ‘</a:t>
-            </a:r>
-            <a:r>
-              <a:rPr lang="en-US" dirty="0" err="1"/>
-              <a:t>LbregOpts</a:t>
-            </a:r>
-            <a:r>
-              <a:rPr lang="en-US" dirty="0"/>
-              <a:t>’</a:t>
-            </a:r>
-          </a:p>
-          <a:p>
-            <a:pPr marL="742950" lvl="1" indent="-285750">
-              <a:buFont typeface="Arial" panose="020B0604020202020204" pitchFamily="34" charset="0"/>
-              <a:buChar char="•"/>
-            </a:pPr>
-            <a:r>
-              <a:rPr lang="en-US" dirty="0"/>
-              <a:t>	</a:t>
-            </a:r>
-          </a:p>
-          <a:p>
-            <a:pPr marL="742950" lvl="1" indent="-285750">
-              <a:buFont typeface="Arial" panose="020B0604020202020204" pitchFamily="34" charset="0"/>
-              <a:buChar char="•"/>
-            </a:pPr>
-            <a:r>
-              <a:rPr lang="en-US" dirty="0"/>
-              <a:t>Class interface of the Solver:  it takes the ‘A’ and ‘y’ of the ‘Ax=y’ problem, and returns the ‘x’.</a:t>
-            </a:r>
-          </a:p>
-          <a:p>
-            <a:pPr marL="742950" lvl="1" indent="-285750">
-              <a:buFont typeface="Arial" panose="020B0604020202020204" pitchFamily="34" charset="0"/>
-              <a:buChar char="•"/>
-            </a:pPr>
-            <a:r>
-              <a:rPr lang="en-US" dirty="0"/>
-              <a:t>Class interface of the options: takes user input, feed it into the solver within the same module.</a:t>
-            </a:r>
           </a:p>
         </p:txBody>
       </p:sp>
     </p:spTree>
     <p:extLst>
       <p:ext uri="{BB962C8B-B14F-4D97-AF65-F5344CB8AC3E}">
-        <p14:creationId xmlns:p14="http://schemas.microsoft.com/office/powerpoint/2010/main" val="1353046518"/>
+        <p14:creationId xmlns:p14="http://schemas.microsoft.com/office/powerpoint/2010/main" val="1533924424"/>
       </p:ext>
     </p:extLst>
   </p:cSld>
@@ -3714,14 +3663,14 @@
       </p:sp>
       <p:sp>
         <p:nvSpPr>
-          <p:cNvPr id="6" name="TextBox 5"/>
+          <p:cNvPr id="7" name="TextBox 6"/>
           <p:cNvSpPr txBox="1"/>
           <p:nvPr/>
         </p:nvSpPr>
         <p:spPr>
           <a:xfrm>
-            <a:off x="172350" y="573554"/>
-            <a:ext cx="11813174" cy="3416320"/>
+            <a:off x="231343" y="369332"/>
+            <a:ext cx="11793509" cy="2585323"/>
           </a:xfrm>
           <a:prstGeom prst="rect">
             <a:avLst/>
@@ -3736,7 +3685,7 @@
           <a:p>
             <a:r>
               <a:rPr lang="en-US" dirty="0"/>
-              <a:t>PRIS module.</a:t>
+              <a:t>Sparse recovery module</a:t>
             </a:r>
           </a:p>
           <a:p>
@@ -3746,17 +3695,8 @@
             </a:pPr>
             <a:r>
               <a:rPr lang="en-US" dirty="0"/>
-              <a:t>PRIS module is the main module, not many alternatives are developed yet. </a:t>
-            </a:r>
-          </a:p>
-          <a:p>
-            <a:r>
-              <a:rPr lang="en-US" dirty="0"/>
-              <a:t>	it contains the preparation classes: PRIS options; input options; output options; intermediate output options.</a:t>
-            </a:r>
-          </a:p>
-          <a:p>
-            <a:endParaRPr lang="en-US" dirty="0"/>
+              <a:t>One sparse recovery module represent one sparse recovery algorithm.</a:t>
+            </a:r>
           </a:p>
           <a:p>
             <a:pPr marL="742950" lvl="1" indent="-285750">
@@ -3765,68 +3705,86 @@
             </a:pPr>
             <a:r>
               <a:rPr lang="en-US" dirty="0"/>
-              <a:t>class interfaces:</a:t>
-            </a:r>
-          </a:p>
-          <a:p>
-            <a:pPr marL="1200150" lvl="2" indent="-285750">
+              <a:t>Each module contains two classes: (</a:t>
+            </a:r>
+            <a:r>
+              <a:rPr lang="en-US" dirty="0" err="1"/>
+              <a:t>i</a:t>
+            </a:r>
+            <a:r>
+              <a:rPr lang="en-US" dirty="0"/>
+              <a:t>) the solver and (ii) the options.</a:t>
+            </a:r>
+          </a:p>
+          <a:p>
+            <a:pPr marL="742950" lvl="1" indent="-285750">
               <a:buFont typeface="Arial" panose="020B0604020202020204" pitchFamily="34" charset="0"/>
               <a:buChar char="•"/>
             </a:pPr>
-            <a:r>
-              <a:rPr lang="en-US" dirty="0"/>
-              <a:t>PRIS It takes objects of input options, PRIS options, sparse recovery solver options,</a:t>
-            </a:r>
-          </a:p>
-          <a:p>
-            <a:pPr marL="1200150" lvl="2" indent="-285750">
+            <a:endParaRPr lang="en-US" dirty="0"/>
+          </a:p>
+          <a:p>
+            <a:pPr marL="742950" lvl="1" indent="-285750">
               <a:buFont typeface="Arial" panose="020B0604020202020204" pitchFamily="34" charset="0"/>
               <a:buChar char="•"/>
             </a:pPr>
             <a:r>
               <a:rPr lang="en-US" dirty="0"/>
-              <a:t>It calls the designated solver</a:t>
-            </a:r>
-          </a:p>
-          <a:p>
-            <a:pPr marL="1200150" lvl="2" indent="-285750">
+              <a:t>For example, the module for linearized bregman iteration is lbreg.py, it contains the solver class ‘</a:t>
+            </a:r>
+            <a:r>
+              <a:rPr lang="en-US" dirty="0" err="1"/>
+              <a:t>LbregSolver</a:t>
+            </a:r>
+            <a:r>
+              <a:rPr lang="en-US" dirty="0"/>
+              <a:t>’, and the options class ‘</a:t>
+            </a:r>
+            <a:r>
+              <a:rPr lang="en-US" dirty="0" err="1"/>
+              <a:t>LbregOpts</a:t>
+            </a:r>
+            <a:r>
+              <a:rPr lang="en-US" dirty="0"/>
+              <a:t>’</a:t>
+            </a:r>
+          </a:p>
+          <a:p>
+            <a:pPr marL="742950" lvl="1" indent="-285750">
               <a:buFont typeface="Arial" panose="020B0604020202020204" pitchFamily="34" charset="0"/>
               <a:buChar char="•"/>
             </a:pPr>
             <a:r>
               <a:rPr lang="en-US" dirty="0"/>
-              <a:t>hand over these objects of options to the solver. </a:t>
-            </a:r>
-          </a:p>
-          <a:p>
-            <a:pPr marL="1200150" lvl="2" indent="-285750">
+              <a:t>	</a:t>
+            </a:r>
+          </a:p>
+          <a:p>
+            <a:pPr marL="742950" lvl="1" indent="-285750">
               <a:buFont typeface="Arial" panose="020B0604020202020204" pitchFamily="34" charset="0"/>
               <a:buChar char="•"/>
             </a:pPr>
             <a:r>
               <a:rPr lang="en-US" dirty="0"/>
-              <a:t>It handles the returns from the sparse recovery solver, update with itself, then deliver it back to sparse recovery solver. </a:t>
-            </a:r>
-          </a:p>
-          <a:p>
-            <a:pPr marL="1200150" lvl="2" indent="-285750">
+              <a:t>Class interface of the Solver:  it takes the ‘A’ and ‘y’ of the ‘Ax=y’ problem, and returns the ‘x’.</a:t>
+            </a:r>
+          </a:p>
+          <a:p>
+            <a:pPr marL="742950" lvl="1" indent="-285750">
               <a:buFont typeface="Arial" panose="020B0604020202020204" pitchFamily="34" charset="0"/>
               <a:buChar char="•"/>
             </a:pPr>
             <a:r>
               <a:rPr lang="en-US" dirty="0"/>
-              <a:t>It also handles these returns from the sparse recovery module and deliver it for visualization and exportation.</a:t>
-            </a:r>
-          </a:p>
-          <a:p>
-            <a:endParaRPr lang="en-US" dirty="0"/>
+              <a:t>Class interface of the options: takes user input, feed it into the solver within the same module.</a:t>
+            </a:r>
           </a:p>
         </p:txBody>
       </p:sp>
     </p:spTree>
     <p:extLst>
       <p:ext uri="{BB962C8B-B14F-4D97-AF65-F5344CB8AC3E}">
-        <p14:creationId xmlns:p14="http://schemas.microsoft.com/office/powerpoint/2010/main" val="1533924424"/>
+        <p14:creationId xmlns:p14="http://schemas.microsoft.com/office/powerpoint/2010/main" val="1353046518"/>
       </p:ext>
     </p:extLst>
   </p:cSld>
